--- a/앱소개.pptx
+++ b/앱소개.pptx
@@ -10,6 +10,10 @@
     <p:sldId id="258" r:id="rId4"/>
     <p:sldId id="259" r:id="rId5"/>
     <p:sldId id="261" r:id="rId6"/>
+    <p:sldId id="264" r:id="rId7"/>
+    <p:sldId id="268" r:id="rId8"/>
+    <p:sldId id="269" r:id="rId9"/>
+    <p:sldId id="267" r:id="rId10"/>
   </p:sldIdLst>
   <p:sldSz cx="9144000" cy="6858000" type="screen4x3"/>
   <p:notesSz cx="6858000" cy="9144000"/>
@@ -247,7 +251,7 @@
           <a:p>
             <a:fld id="{677BE85E-4548-43FB-9A09-F622327FEE4B}" type="datetimeFigureOut">
               <a:rPr lang="ko-KR" altLang="en-US" smtClean="0"/>
-              <a:t>2017-10-18</a:t>
+              <a:t>2017-10-23</a:t>
             </a:fld>
             <a:endParaRPr lang="ko-KR" altLang="en-US"/>
           </a:p>
@@ -417,7 +421,7 @@
           <a:p>
             <a:fld id="{677BE85E-4548-43FB-9A09-F622327FEE4B}" type="datetimeFigureOut">
               <a:rPr lang="ko-KR" altLang="en-US" smtClean="0"/>
-              <a:t>2017-10-18</a:t>
+              <a:t>2017-10-23</a:t>
             </a:fld>
             <a:endParaRPr lang="ko-KR" altLang="en-US"/>
           </a:p>
@@ -597,7 +601,7 @@
           <a:p>
             <a:fld id="{677BE85E-4548-43FB-9A09-F622327FEE4B}" type="datetimeFigureOut">
               <a:rPr lang="ko-KR" altLang="en-US" smtClean="0"/>
-              <a:t>2017-10-18</a:t>
+              <a:t>2017-10-23</a:t>
             </a:fld>
             <a:endParaRPr lang="ko-KR" altLang="en-US"/>
           </a:p>
@@ -767,7 +771,7 @@
           <a:p>
             <a:fld id="{677BE85E-4548-43FB-9A09-F622327FEE4B}" type="datetimeFigureOut">
               <a:rPr lang="ko-KR" altLang="en-US" smtClean="0"/>
-              <a:t>2017-10-18</a:t>
+              <a:t>2017-10-23</a:t>
             </a:fld>
             <a:endParaRPr lang="ko-KR" altLang="en-US"/>
           </a:p>
@@ -1011,7 +1015,7 @@
           <a:p>
             <a:fld id="{677BE85E-4548-43FB-9A09-F622327FEE4B}" type="datetimeFigureOut">
               <a:rPr lang="ko-KR" altLang="en-US" smtClean="0"/>
-              <a:t>2017-10-18</a:t>
+              <a:t>2017-10-23</a:t>
             </a:fld>
             <a:endParaRPr lang="ko-KR" altLang="en-US"/>
           </a:p>
@@ -1243,7 +1247,7 @@
           <a:p>
             <a:fld id="{677BE85E-4548-43FB-9A09-F622327FEE4B}" type="datetimeFigureOut">
               <a:rPr lang="ko-KR" altLang="en-US" smtClean="0"/>
-              <a:t>2017-10-18</a:t>
+              <a:t>2017-10-23</a:t>
             </a:fld>
             <a:endParaRPr lang="ko-KR" altLang="en-US"/>
           </a:p>
@@ -1610,7 +1614,7 @@
           <a:p>
             <a:fld id="{677BE85E-4548-43FB-9A09-F622327FEE4B}" type="datetimeFigureOut">
               <a:rPr lang="ko-KR" altLang="en-US" smtClean="0"/>
-              <a:t>2017-10-18</a:t>
+              <a:t>2017-10-23</a:t>
             </a:fld>
             <a:endParaRPr lang="ko-KR" altLang="en-US"/>
           </a:p>
@@ -1728,7 +1732,7 @@
           <a:p>
             <a:fld id="{677BE85E-4548-43FB-9A09-F622327FEE4B}" type="datetimeFigureOut">
               <a:rPr lang="ko-KR" altLang="en-US" smtClean="0"/>
-              <a:t>2017-10-18</a:t>
+              <a:t>2017-10-23</a:t>
             </a:fld>
             <a:endParaRPr lang="ko-KR" altLang="en-US"/>
           </a:p>
@@ -1823,7 +1827,7 @@
           <a:p>
             <a:fld id="{677BE85E-4548-43FB-9A09-F622327FEE4B}" type="datetimeFigureOut">
               <a:rPr lang="ko-KR" altLang="en-US" smtClean="0"/>
-              <a:t>2017-10-18</a:t>
+              <a:t>2017-10-23</a:t>
             </a:fld>
             <a:endParaRPr lang="ko-KR" altLang="en-US"/>
           </a:p>
@@ -2100,7 +2104,7 @@
           <a:p>
             <a:fld id="{677BE85E-4548-43FB-9A09-F622327FEE4B}" type="datetimeFigureOut">
               <a:rPr lang="ko-KR" altLang="en-US" smtClean="0"/>
-              <a:t>2017-10-18</a:t>
+              <a:t>2017-10-23</a:t>
             </a:fld>
             <a:endParaRPr lang="ko-KR" altLang="en-US"/>
           </a:p>
@@ -2357,7 +2361,7 @@
           <a:p>
             <a:fld id="{677BE85E-4548-43FB-9A09-F622327FEE4B}" type="datetimeFigureOut">
               <a:rPr lang="ko-KR" altLang="en-US" smtClean="0"/>
-              <a:t>2017-10-18</a:t>
+              <a:t>2017-10-23</a:t>
             </a:fld>
             <a:endParaRPr lang="ko-KR" altLang="en-US"/>
           </a:p>
@@ -2570,7 +2574,7 @@
           <a:p>
             <a:fld id="{677BE85E-4548-43FB-9A09-F622327FEE4B}" type="datetimeFigureOut">
               <a:rPr lang="ko-KR" altLang="en-US" smtClean="0"/>
-              <a:t>2017-10-18</a:t>
+              <a:t>2017-10-23</a:t>
             </a:fld>
             <a:endParaRPr lang="ko-KR" altLang="en-US"/>
           </a:p>
@@ -3098,7 +3102,7 @@
                 <a:latin typeface="다음_Regular" panose="02000603060000000000" pitchFamily="2" charset="-127"/>
                 <a:ea typeface="다음_Regular" panose="02000603060000000000" pitchFamily="2" charset="-127"/>
               </a:rPr>
-              <a:t>열 시장조사 안 부럽다</a:t>
+              <a:t>열 리서치 안 부럽다</a:t>
             </a:r>
             <a:r>
               <a:rPr lang="en-US" altLang="ko-KR" dirty="0" smtClean="0">
@@ -3547,14 +3551,7 @@
                 <a:latin typeface="다음_Regular" panose="02000603060000000000" pitchFamily="2" charset="-127"/>
                 <a:ea typeface="다음_Regular" panose="02000603060000000000" pitchFamily="2" charset="-127"/>
               </a:rPr>
-              <a:t>사용하게 </a:t>
-            </a:r>
-            <a:r>
-              <a:rPr lang="ko-KR" altLang="en-US" dirty="0" smtClean="0">
-                <a:latin typeface="다음_Regular" panose="02000603060000000000" pitchFamily="2" charset="-127"/>
-                <a:ea typeface="다음_Regular" panose="02000603060000000000" pitchFamily="2" charset="-127"/>
-              </a:rPr>
-              <a:t>끔 이끌만한</a:t>
+              <a:t>사용하게 끔 이끌만한</a:t>
             </a:r>
             <a:r>
               <a:rPr lang="en-US" altLang="ko-KR" dirty="0" smtClean="0">
@@ -5277,14 +5274,7 @@
                 <a:latin typeface="다음_Regular" panose="02000603060000000000" pitchFamily="2" charset="-127"/>
                 <a:ea typeface="다음_Regular" panose="02000603060000000000" pitchFamily="2" charset="-127"/>
               </a:rPr>
-              <a:t>,</a:t>
-            </a:r>
-            <a:r>
-              <a:rPr lang="en-US" altLang="ko-KR" dirty="0" smtClean="0">
-                <a:latin typeface="다음_Regular" panose="02000603060000000000" pitchFamily="2" charset="-127"/>
-                <a:ea typeface="다음_Regular" panose="02000603060000000000" pitchFamily="2" charset="-127"/>
-              </a:rPr>
-              <a:t> </a:t>
+              <a:t>, </a:t>
             </a:r>
             <a:r>
               <a:rPr lang="ko-KR" altLang="en-US" dirty="0" smtClean="0">
@@ -5348,10 +5338,6 @@
               </a:rPr>
               <a:t>)</a:t>
             </a:r>
-            <a:endParaRPr lang="en-US" altLang="ko-KR" dirty="0" smtClean="0">
-              <a:latin typeface="다음_Regular" panose="02000603060000000000" pitchFamily="2" charset="-127"/>
-              <a:ea typeface="다음_Regular" panose="02000603060000000000" pitchFamily="2" charset="-127"/>
-            </a:endParaRPr>
           </a:p>
         </p:txBody>
       </p:sp>
@@ -6498,7 +6484,21 @@
                 <a:latin typeface="다음_Regular" panose="02000603060000000000" pitchFamily="2" charset="-127"/>
                 <a:ea typeface="다음_Regular" panose="02000603060000000000" pitchFamily="2" charset="-127"/>
               </a:rPr>
-              <a:t>열 시장조사 안 부럽다</a:t>
+              <a:t>열 </a:t>
+            </a:r>
+            <a:r>
+              <a:rPr lang="ko-KR" altLang="en-US" sz="1800" dirty="0" smtClean="0">
+                <a:latin typeface="다음_Regular" panose="02000603060000000000" pitchFamily="2" charset="-127"/>
+                <a:ea typeface="다음_Regular" panose="02000603060000000000" pitchFamily="2" charset="-127"/>
+              </a:rPr>
+              <a:t>리서치 </a:t>
+            </a:r>
+            <a:r>
+              <a:rPr lang="ko-KR" altLang="en-US" sz="1800" dirty="0">
+                <a:latin typeface="다음_Regular" panose="02000603060000000000" pitchFamily="2" charset="-127"/>
+                <a:ea typeface="다음_Regular" panose="02000603060000000000" pitchFamily="2" charset="-127"/>
+              </a:rPr>
+              <a:t>안 부럽다</a:t>
             </a:r>
             <a:r>
               <a:rPr lang="en-US" altLang="ko-KR" sz="1800" dirty="0">
@@ -6796,6 +6796,3430 @@
     <p:extLst>
       <p:ext uri="{BB962C8B-B14F-4D97-AF65-F5344CB8AC3E}">
         <p14:creationId xmlns:p14="http://schemas.microsoft.com/office/powerpoint/2010/main" val="414025558"/>
+      </p:ext>
+    </p:extLst>
+  </p:cSld>
+  <p:clrMapOvr>
+    <a:masterClrMapping/>
+  </p:clrMapOvr>
+</p:sld>
+</file>
+
+<file path=ppt/slides/slide6.xml><?xml version="1.0" encoding="utf-8"?>
+<p:sld xmlns:a="http://schemas.openxmlformats.org/drawingml/2006/main" xmlns:r="http://schemas.openxmlformats.org/officeDocument/2006/relationships" xmlns:p="http://schemas.openxmlformats.org/presentationml/2006/main">
+  <p:cSld>
+    <p:spTree>
+      <p:nvGrpSpPr>
+        <p:cNvPr id="1" name=""/>
+        <p:cNvGrpSpPr/>
+        <p:nvPr/>
+      </p:nvGrpSpPr>
+      <p:grpSpPr>
+        <a:xfrm>
+          <a:off x="0" y="0"/>
+          <a:ext cx="0" cy="0"/>
+          <a:chOff x="0" y="0"/>
+          <a:chExt cx="0" cy="0"/>
+        </a:xfrm>
+      </p:grpSpPr>
+      <p:grpSp>
+        <p:nvGrpSpPr>
+          <p:cNvPr id="8" name="그룹 7"/>
+          <p:cNvGrpSpPr/>
+          <p:nvPr/>
+        </p:nvGrpSpPr>
+        <p:grpSpPr>
+          <a:xfrm>
+            <a:off x="2520000" y="0"/>
+            <a:ext cx="4134143" cy="6858002"/>
+            <a:chOff x="1647244" y="0"/>
+            <a:chExt cx="4134143" cy="6858002"/>
+          </a:xfrm>
+        </p:grpSpPr>
+        <p:pic>
+          <p:nvPicPr>
+            <p:cNvPr id="6" name="그림 5"/>
+            <p:cNvPicPr>
+              <a:picLocks noChangeAspect="1"/>
+            </p:cNvPicPr>
+            <p:nvPr/>
+          </p:nvPicPr>
+          <p:blipFill>
+            <a:blip r:embed="rId2"/>
+            <a:stretch>
+              <a:fillRect/>
+            </a:stretch>
+          </p:blipFill>
+          <p:spPr>
+            <a:xfrm>
+              <a:off x="1647244" y="0"/>
+              <a:ext cx="4129088" cy="6858002"/>
+            </a:xfrm>
+            <a:prstGeom prst="rect">
+              <a:avLst/>
+            </a:prstGeom>
+          </p:spPr>
+        </p:pic>
+        <p:sp>
+          <p:nvSpPr>
+            <p:cNvPr id="7" name="직사각형 6"/>
+            <p:cNvSpPr/>
+            <p:nvPr/>
+          </p:nvSpPr>
+          <p:spPr>
+            <a:xfrm>
+              <a:off x="1652299" y="280416"/>
+              <a:ext cx="4129088" cy="6577584"/>
+            </a:xfrm>
+            <a:prstGeom prst="rect">
+              <a:avLst/>
+            </a:prstGeom>
+            <a:solidFill>
+              <a:srgbClr val="F3F5F4"/>
+            </a:solidFill>
+            <a:ln>
+              <a:noFill/>
+            </a:ln>
+          </p:spPr>
+          <p:style>
+            <a:lnRef idx="2">
+              <a:schemeClr val="accent1">
+                <a:shade val="50000"/>
+              </a:schemeClr>
+            </a:lnRef>
+            <a:fillRef idx="1">
+              <a:schemeClr val="accent1"/>
+            </a:fillRef>
+            <a:effectRef idx="0">
+              <a:schemeClr val="accent1"/>
+            </a:effectRef>
+            <a:fontRef idx="minor">
+              <a:schemeClr val="lt1"/>
+            </a:fontRef>
+          </p:style>
+          <p:txBody>
+            <a:bodyPr rtlCol="0" anchor="ctr"/>
+            <a:lstStyle/>
+            <a:p>
+              <a:pPr algn="ctr"/>
+              <a:endParaRPr lang="ko-KR" altLang="en-US"/>
+            </a:p>
+          </p:txBody>
+        </p:sp>
+      </p:grpSp>
+      <p:grpSp>
+        <p:nvGrpSpPr>
+          <p:cNvPr id="13" name="그룹 12"/>
+          <p:cNvGrpSpPr/>
+          <p:nvPr/>
+        </p:nvGrpSpPr>
+        <p:grpSpPr>
+          <a:xfrm>
+            <a:off x="4375453" y="473149"/>
+            <a:ext cx="433346" cy="55321"/>
+            <a:chOff x="3310890" y="761999"/>
+            <a:chExt cx="358137" cy="45720"/>
+          </a:xfrm>
+        </p:grpSpPr>
+        <p:sp>
+          <p:nvSpPr>
+            <p:cNvPr id="9" name="타원 8"/>
+            <p:cNvSpPr/>
+            <p:nvPr/>
+          </p:nvSpPr>
+          <p:spPr>
+            <a:xfrm>
+              <a:off x="3310890" y="762000"/>
+              <a:ext cx="45719" cy="45719"/>
+            </a:xfrm>
+            <a:prstGeom prst="ellipse">
+              <a:avLst/>
+            </a:prstGeom>
+            <a:solidFill>
+              <a:srgbClr val="FCBB01"/>
+            </a:solidFill>
+            <a:ln>
+              <a:noFill/>
+            </a:ln>
+          </p:spPr>
+          <p:style>
+            <a:lnRef idx="2">
+              <a:schemeClr val="accent1">
+                <a:shade val="50000"/>
+              </a:schemeClr>
+            </a:lnRef>
+            <a:fillRef idx="1">
+              <a:schemeClr val="accent1"/>
+            </a:fillRef>
+            <a:effectRef idx="0">
+              <a:schemeClr val="accent1"/>
+            </a:effectRef>
+            <a:fontRef idx="minor">
+              <a:schemeClr val="lt1"/>
+            </a:fontRef>
+          </p:style>
+          <p:txBody>
+            <a:bodyPr rtlCol="0" anchor="ctr"/>
+            <a:lstStyle/>
+            <a:p>
+              <a:pPr algn="ctr"/>
+              <a:endParaRPr lang="ko-KR" altLang="en-US"/>
+            </a:p>
+          </p:txBody>
+        </p:sp>
+        <p:sp>
+          <p:nvSpPr>
+            <p:cNvPr id="10" name="타원 9"/>
+            <p:cNvSpPr/>
+            <p:nvPr/>
+          </p:nvSpPr>
+          <p:spPr>
+            <a:xfrm>
+              <a:off x="3417570" y="762000"/>
+              <a:ext cx="45719" cy="45719"/>
+            </a:xfrm>
+            <a:prstGeom prst="ellipse">
+              <a:avLst/>
+            </a:prstGeom>
+            <a:solidFill>
+              <a:schemeClr val="bg2">
+                <a:lumMod val="75000"/>
+              </a:schemeClr>
+            </a:solidFill>
+            <a:ln>
+              <a:noFill/>
+            </a:ln>
+          </p:spPr>
+          <p:style>
+            <a:lnRef idx="2">
+              <a:schemeClr val="accent1">
+                <a:shade val="50000"/>
+              </a:schemeClr>
+            </a:lnRef>
+            <a:fillRef idx="1">
+              <a:schemeClr val="accent1"/>
+            </a:fillRef>
+            <a:effectRef idx="0">
+              <a:schemeClr val="accent1"/>
+            </a:effectRef>
+            <a:fontRef idx="minor">
+              <a:schemeClr val="lt1"/>
+            </a:fontRef>
+          </p:style>
+          <p:txBody>
+            <a:bodyPr rtlCol="0" anchor="ctr"/>
+            <a:lstStyle/>
+            <a:p>
+              <a:pPr algn="ctr"/>
+              <a:endParaRPr lang="ko-KR" altLang="en-US"/>
+            </a:p>
+          </p:txBody>
+        </p:sp>
+        <p:sp>
+          <p:nvSpPr>
+            <p:cNvPr id="11" name="타원 10"/>
+            <p:cNvSpPr/>
+            <p:nvPr/>
+          </p:nvSpPr>
+          <p:spPr>
+            <a:xfrm>
+              <a:off x="3520439" y="762000"/>
+              <a:ext cx="45719" cy="45719"/>
+            </a:xfrm>
+            <a:prstGeom prst="ellipse">
+              <a:avLst/>
+            </a:prstGeom>
+            <a:solidFill>
+              <a:schemeClr val="bg2">
+                <a:lumMod val="75000"/>
+              </a:schemeClr>
+            </a:solidFill>
+            <a:ln>
+              <a:noFill/>
+            </a:ln>
+          </p:spPr>
+          <p:style>
+            <a:lnRef idx="2">
+              <a:schemeClr val="accent1">
+                <a:shade val="50000"/>
+              </a:schemeClr>
+            </a:lnRef>
+            <a:fillRef idx="1">
+              <a:schemeClr val="accent1"/>
+            </a:fillRef>
+            <a:effectRef idx="0">
+              <a:schemeClr val="accent1"/>
+            </a:effectRef>
+            <a:fontRef idx="minor">
+              <a:schemeClr val="lt1"/>
+            </a:fontRef>
+          </p:style>
+          <p:txBody>
+            <a:bodyPr rtlCol="0" anchor="ctr"/>
+            <a:lstStyle/>
+            <a:p>
+              <a:pPr algn="ctr"/>
+              <a:endParaRPr lang="ko-KR" altLang="en-US"/>
+            </a:p>
+          </p:txBody>
+        </p:sp>
+        <p:sp>
+          <p:nvSpPr>
+            <p:cNvPr id="12" name="타원 11"/>
+            <p:cNvSpPr/>
+            <p:nvPr/>
+          </p:nvSpPr>
+          <p:spPr>
+            <a:xfrm>
+              <a:off x="3623308" y="761999"/>
+              <a:ext cx="45719" cy="45719"/>
+            </a:xfrm>
+            <a:prstGeom prst="ellipse">
+              <a:avLst/>
+            </a:prstGeom>
+            <a:solidFill>
+              <a:schemeClr val="bg2">
+                <a:lumMod val="75000"/>
+              </a:schemeClr>
+            </a:solidFill>
+            <a:ln>
+              <a:noFill/>
+            </a:ln>
+          </p:spPr>
+          <p:style>
+            <a:lnRef idx="2">
+              <a:schemeClr val="accent1">
+                <a:shade val="50000"/>
+              </a:schemeClr>
+            </a:lnRef>
+            <a:fillRef idx="1">
+              <a:schemeClr val="accent1"/>
+            </a:fillRef>
+            <a:effectRef idx="0">
+              <a:schemeClr val="accent1"/>
+            </a:effectRef>
+            <a:fontRef idx="minor">
+              <a:schemeClr val="lt1"/>
+            </a:fontRef>
+          </p:style>
+          <p:txBody>
+            <a:bodyPr rtlCol="0" anchor="ctr"/>
+            <a:lstStyle/>
+            <a:p>
+              <a:pPr algn="ctr"/>
+              <a:endParaRPr lang="ko-KR" altLang="en-US"/>
+            </a:p>
+          </p:txBody>
+        </p:sp>
+      </p:grpSp>
+      <p:sp>
+        <p:nvSpPr>
+          <p:cNvPr id="30" name="TextBox 29"/>
+          <p:cNvSpPr txBox="1"/>
+          <p:nvPr/>
+        </p:nvSpPr>
+        <p:spPr>
+          <a:xfrm>
+            <a:off x="2525055" y="736331"/>
+            <a:ext cx="4134143" cy="584775"/>
+          </a:xfrm>
+          <a:prstGeom prst="rect">
+            <a:avLst/>
+          </a:prstGeom>
+          <a:noFill/>
+        </p:spPr>
+        <p:txBody>
+          <a:bodyPr wrap="square" rtlCol="0">
+            <a:spAutoFit/>
+          </a:bodyPr>
+          <a:lstStyle/>
+          <a:p>
+            <a:pPr algn="ctr"/>
+            <a:r>
+              <a:rPr lang="ko-KR" altLang="en-US" sz="1600" dirty="0" smtClean="0">
+                <a:latin typeface="다음_Regular" panose="02000603060000000000" pitchFamily="2" charset="-127"/>
+                <a:ea typeface="다음_Regular" panose="02000603060000000000" pitchFamily="2" charset="-127"/>
+              </a:rPr>
+              <a:t>잘 쓴 피드백 하나</a:t>
+            </a:r>
+            <a:r>
+              <a:rPr lang="en-US" altLang="ko-KR" sz="1600" dirty="0" smtClean="0">
+                <a:latin typeface="다음_Regular" panose="02000603060000000000" pitchFamily="2" charset="-127"/>
+                <a:ea typeface="다음_Regular" panose="02000603060000000000" pitchFamily="2" charset="-127"/>
+              </a:rPr>
+              <a:t>,</a:t>
+            </a:r>
+          </a:p>
+          <a:p>
+            <a:pPr algn="ctr"/>
+            <a:r>
+              <a:rPr lang="ko-KR" altLang="en-US" sz="1600" dirty="0" smtClean="0">
+                <a:latin typeface="다음_Regular" panose="02000603060000000000" pitchFamily="2" charset="-127"/>
+                <a:ea typeface="다음_Regular" panose="02000603060000000000" pitchFamily="2" charset="-127"/>
+              </a:rPr>
+              <a:t>열 설문조사 안 부럽다</a:t>
+            </a:r>
+            <a:r>
+              <a:rPr lang="en-US" altLang="ko-KR" sz="1600" dirty="0" smtClean="0">
+                <a:latin typeface="다음_Regular" panose="02000603060000000000" pitchFamily="2" charset="-127"/>
+                <a:ea typeface="다음_Regular" panose="02000603060000000000" pitchFamily="2" charset="-127"/>
+              </a:rPr>
+              <a:t>!</a:t>
+            </a:r>
+            <a:endParaRPr lang="ko-KR" altLang="en-US" sz="1600" dirty="0">
+              <a:latin typeface="다음_Regular" panose="02000603060000000000" pitchFamily="2" charset="-127"/>
+              <a:ea typeface="다음_Regular" panose="02000603060000000000" pitchFamily="2" charset="-127"/>
+            </a:endParaRPr>
+          </a:p>
+        </p:txBody>
+      </p:sp>
+      <p:sp>
+        <p:nvSpPr>
+          <p:cNvPr id="31" name="TextBox 30"/>
+          <p:cNvSpPr txBox="1"/>
+          <p:nvPr/>
+        </p:nvSpPr>
+        <p:spPr>
+          <a:xfrm>
+            <a:off x="2520000" y="1321106"/>
+            <a:ext cx="4129088" cy="261610"/>
+          </a:xfrm>
+          <a:prstGeom prst="rect">
+            <a:avLst/>
+          </a:prstGeom>
+          <a:noFill/>
+        </p:spPr>
+        <p:txBody>
+          <a:bodyPr wrap="square" rtlCol="0">
+            <a:spAutoFit/>
+          </a:bodyPr>
+          <a:lstStyle/>
+          <a:p>
+            <a:pPr algn="ctr"/>
+            <a:r>
+              <a:rPr lang="ko-KR" altLang="en-US" sz="1100" dirty="0" smtClean="0">
+                <a:solidFill>
+                  <a:schemeClr val="tx1">
+                    <a:lumMod val="65000"/>
+                    <a:lumOff val="35000"/>
+                  </a:schemeClr>
+                </a:solidFill>
+                <a:latin typeface="다음_Regular" panose="02000603060000000000" pitchFamily="2" charset="-127"/>
+                <a:ea typeface="다음_Regular" panose="02000603060000000000" pitchFamily="2" charset="-127"/>
+              </a:rPr>
+              <a:t>소중한 의견이</a:t>
+            </a:r>
+            <a:r>
+              <a:rPr lang="en-US" altLang="ko-KR" sz="1100" dirty="0" smtClean="0">
+                <a:solidFill>
+                  <a:schemeClr val="tx1">
+                    <a:lumMod val="65000"/>
+                    <a:lumOff val="35000"/>
+                  </a:schemeClr>
+                </a:solidFill>
+                <a:latin typeface="다음_Regular" panose="02000603060000000000" pitchFamily="2" charset="-127"/>
+                <a:ea typeface="다음_Regular" panose="02000603060000000000" pitchFamily="2" charset="-127"/>
+              </a:rPr>
+              <a:t> </a:t>
+            </a:r>
+            <a:r>
+              <a:rPr lang="ko-KR" altLang="en-US" sz="1100" dirty="0" smtClean="0">
+                <a:solidFill>
+                  <a:schemeClr val="tx1">
+                    <a:lumMod val="65000"/>
+                    <a:lumOff val="35000"/>
+                  </a:schemeClr>
+                </a:solidFill>
+                <a:latin typeface="다음_Regular" panose="02000603060000000000" pitchFamily="2" charset="-127"/>
+                <a:ea typeface="다음_Regular" panose="02000603060000000000" pitchFamily="2" charset="-127"/>
+              </a:rPr>
+              <a:t>모여 더 나은 서비스를 만듭니다</a:t>
+            </a:r>
+            <a:r>
+              <a:rPr lang="en-US" altLang="ko-KR" sz="1100" dirty="0" smtClean="0">
+                <a:solidFill>
+                  <a:schemeClr val="tx1">
+                    <a:lumMod val="65000"/>
+                    <a:lumOff val="35000"/>
+                  </a:schemeClr>
+                </a:solidFill>
+                <a:latin typeface="다음_Regular" panose="02000603060000000000" pitchFamily="2" charset="-127"/>
+                <a:ea typeface="다음_Regular" panose="02000603060000000000" pitchFamily="2" charset="-127"/>
+              </a:rPr>
+              <a:t>.</a:t>
+            </a:r>
+            <a:endParaRPr lang="ko-KR" altLang="en-US" sz="1100" dirty="0">
+              <a:solidFill>
+                <a:schemeClr val="tx1">
+                  <a:lumMod val="65000"/>
+                  <a:lumOff val="35000"/>
+                </a:schemeClr>
+              </a:solidFill>
+              <a:latin typeface="다음_Regular" panose="02000603060000000000" pitchFamily="2" charset="-127"/>
+              <a:ea typeface="다음_Regular" panose="02000603060000000000" pitchFamily="2" charset="-127"/>
+            </a:endParaRPr>
+          </a:p>
+        </p:txBody>
+      </p:sp>
+      <p:grpSp>
+        <p:nvGrpSpPr>
+          <p:cNvPr id="40" name="그룹 39"/>
+          <p:cNvGrpSpPr/>
+          <p:nvPr/>
+        </p:nvGrpSpPr>
+        <p:grpSpPr>
+          <a:xfrm>
+            <a:off x="2924722" y="1905881"/>
+            <a:ext cx="3334808" cy="4957601"/>
+            <a:chOff x="2343370" y="1905881"/>
+            <a:chExt cx="2736835" cy="4501270"/>
+          </a:xfrm>
+        </p:grpSpPr>
+        <p:pic>
+          <p:nvPicPr>
+            <p:cNvPr id="37" name="그림 36"/>
+            <p:cNvPicPr>
+              <a:picLocks noChangeAspect="1"/>
+            </p:cNvPicPr>
+            <p:nvPr/>
+          </p:nvPicPr>
+          <p:blipFill>
+            <a:blip r:embed="rId3">
+              <a:grayscl/>
+              <a:extLst>
+                <a:ext uri="{BEBA8EAE-BF5A-486C-A8C5-ECC9F3942E4B}">
+                  <a14:imgProps xmlns:a14="http://schemas.microsoft.com/office/drawing/2010/main">
+                    <a14:imgLayer r:embed="rId4">
+                      <a14:imgEffect>
+                        <a14:backgroundRemoval t="1742" b="100000" l="2865" r="100000"/>
+                      </a14:imgEffect>
+                    </a14:imgLayer>
+                  </a14:imgProps>
+                </a:ext>
+              </a:extLst>
+            </a:blip>
+            <a:stretch>
+              <a:fillRect/>
+            </a:stretch>
+          </p:blipFill>
+          <p:spPr>
+            <a:xfrm>
+              <a:off x="2343370" y="1905881"/>
+              <a:ext cx="2736835" cy="4501270"/>
+            </a:xfrm>
+            <a:prstGeom prst="rect">
+              <a:avLst/>
+            </a:prstGeom>
+          </p:spPr>
+        </p:pic>
+        <p:sp>
+          <p:nvSpPr>
+            <p:cNvPr id="38" name="타원 37"/>
+            <p:cNvSpPr/>
+            <p:nvPr/>
+          </p:nvSpPr>
+          <p:spPr>
+            <a:xfrm>
+              <a:off x="3604260" y="2122170"/>
+              <a:ext cx="207311" cy="111120"/>
+            </a:xfrm>
+            <a:prstGeom prst="ellipse">
+              <a:avLst/>
+            </a:prstGeom>
+            <a:solidFill>
+              <a:srgbClr val="ECECEC"/>
+            </a:solidFill>
+            <a:ln>
+              <a:noFill/>
+            </a:ln>
+          </p:spPr>
+          <p:style>
+            <a:lnRef idx="2">
+              <a:schemeClr val="accent1">
+                <a:shade val="50000"/>
+              </a:schemeClr>
+            </a:lnRef>
+            <a:fillRef idx="1">
+              <a:schemeClr val="accent1"/>
+            </a:fillRef>
+            <a:effectRef idx="0">
+              <a:schemeClr val="accent1"/>
+            </a:effectRef>
+            <a:fontRef idx="minor">
+              <a:schemeClr val="lt1"/>
+            </a:fontRef>
+          </p:style>
+          <p:txBody>
+            <a:bodyPr rtlCol="0" anchor="ctr"/>
+            <a:lstStyle/>
+            <a:p>
+              <a:pPr algn="ctr"/>
+              <a:endParaRPr lang="ko-KR" altLang="en-US"/>
+            </a:p>
+          </p:txBody>
+        </p:sp>
+        <p:sp>
+          <p:nvSpPr>
+            <p:cNvPr id="39" name="타원 38"/>
+            <p:cNvSpPr/>
+            <p:nvPr/>
+          </p:nvSpPr>
+          <p:spPr>
+            <a:xfrm>
+              <a:off x="3229854" y="2300994"/>
+              <a:ext cx="207311" cy="111120"/>
+            </a:xfrm>
+            <a:prstGeom prst="ellipse">
+              <a:avLst/>
+            </a:prstGeom>
+            <a:solidFill>
+              <a:srgbClr val="ECECEC"/>
+            </a:solidFill>
+            <a:ln>
+              <a:noFill/>
+            </a:ln>
+          </p:spPr>
+          <p:style>
+            <a:lnRef idx="2">
+              <a:schemeClr val="accent1">
+                <a:shade val="50000"/>
+              </a:schemeClr>
+            </a:lnRef>
+            <a:fillRef idx="1">
+              <a:schemeClr val="accent1"/>
+            </a:fillRef>
+            <a:effectRef idx="0">
+              <a:schemeClr val="accent1"/>
+            </a:effectRef>
+            <a:fontRef idx="minor">
+              <a:schemeClr val="lt1"/>
+            </a:fontRef>
+          </p:style>
+          <p:txBody>
+            <a:bodyPr rtlCol="0" anchor="ctr"/>
+            <a:lstStyle/>
+            <a:p>
+              <a:pPr algn="ctr"/>
+              <a:endParaRPr lang="ko-KR" altLang="en-US"/>
+            </a:p>
+          </p:txBody>
+        </p:sp>
+      </p:grpSp>
+      <p:sp>
+        <p:nvSpPr>
+          <p:cNvPr id="4" name="TextBox 3"/>
+          <p:cNvSpPr txBox="1"/>
+          <p:nvPr/>
+        </p:nvSpPr>
+        <p:spPr>
+          <a:xfrm>
+            <a:off x="500332" y="4293690"/>
+            <a:ext cx="1897811" cy="2031325"/>
+          </a:xfrm>
+          <a:prstGeom prst="rect">
+            <a:avLst/>
+          </a:prstGeom>
+          <a:noFill/>
+        </p:spPr>
+        <p:txBody>
+          <a:bodyPr wrap="square" rtlCol="0">
+            <a:spAutoFit/>
+          </a:bodyPr>
+          <a:lstStyle/>
+          <a:p>
+            <a:r>
+              <a:rPr lang="ko-KR" altLang="en-US" dirty="0" smtClean="0">
+                <a:latin typeface="다음_Regular" panose="02000603060000000000" pitchFamily="2" charset="-127"/>
+                <a:ea typeface="다음_Regular" panose="02000603060000000000" pitchFamily="2" charset="-127"/>
+              </a:rPr>
+              <a:t>내용물</a:t>
+            </a:r>
+            <a:endParaRPr lang="en-US" altLang="ko-KR" dirty="0" smtClean="0">
+              <a:latin typeface="다음_Regular" panose="02000603060000000000" pitchFamily="2" charset="-127"/>
+              <a:ea typeface="다음_Regular" panose="02000603060000000000" pitchFamily="2" charset="-127"/>
+            </a:endParaRPr>
+          </a:p>
+          <a:p>
+            <a:r>
+              <a:rPr lang="en-US" altLang="ko-KR" dirty="0" smtClean="0">
+                <a:latin typeface="다음_Regular" panose="02000603060000000000" pitchFamily="2" charset="-127"/>
+                <a:ea typeface="다음_Regular" panose="02000603060000000000" pitchFamily="2" charset="-127"/>
+              </a:rPr>
+              <a:t>: </a:t>
+            </a:r>
+            <a:r>
+              <a:rPr lang="ko-KR" altLang="en-US" dirty="0" smtClean="0">
+                <a:latin typeface="다음_Regular" panose="02000603060000000000" pitchFamily="2" charset="-127"/>
+                <a:ea typeface="다음_Regular" panose="02000603060000000000" pitchFamily="2" charset="-127"/>
+              </a:rPr>
+              <a:t>로고 </a:t>
+            </a:r>
+            <a:r>
+              <a:rPr lang="en-US" altLang="ko-KR" dirty="0" smtClean="0">
+                <a:latin typeface="다음_Regular" panose="02000603060000000000" pitchFamily="2" charset="-127"/>
+                <a:ea typeface="다음_Regular" panose="02000603060000000000" pitchFamily="2" charset="-127"/>
+              </a:rPr>
+              <a:t>or </a:t>
+            </a:r>
+            <a:r>
+              <a:rPr lang="ko-KR" altLang="en-US" dirty="0" err="1" smtClean="0">
+                <a:latin typeface="다음_Regular" panose="02000603060000000000" pitchFamily="2" charset="-127"/>
+                <a:ea typeface="다음_Regular" panose="02000603060000000000" pitchFamily="2" charset="-127"/>
+              </a:rPr>
+              <a:t>첫화면</a:t>
+            </a:r>
+            <a:r>
+              <a:rPr lang="ko-KR" altLang="en-US" dirty="0" smtClean="0">
+                <a:latin typeface="다음_Regular" panose="02000603060000000000" pitchFamily="2" charset="-127"/>
+                <a:ea typeface="다음_Regular" panose="02000603060000000000" pitchFamily="2" charset="-127"/>
+              </a:rPr>
+              <a:t> 같은</a:t>
+            </a:r>
+            <a:r>
+              <a:rPr lang="en-US" altLang="ko-KR" dirty="0" smtClean="0">
+                <a:latin typeface="다음_Regular" panose="02000603060000000000" pitchFamily="2" charset="-127"/>
+                <a:ea typeface="다음_Regular" panose="02000603060000000000" pitchFamily="2" charset="-127"/>
+              </a:rPr>
+              <a:t>?</a:t>
+            </a:r>
+          </a:p>
+          <a:p>
+            <a:r>
+              <a:rPr lang="ko-KR" altLang="en-US" dirty="0" smtClean="0">
+                <a:latin typeface="다음_Regular" panose="02000603060000000000" pitchFamily="2" charset="-127"/>
+                <a:ea typeface="다음_Regular" panose="02000603060000000000" pitchFamily="2" charset="-127"/>
+              </a:rPr>
+              <a:t>아니면</a:t>
+            </a:r>
+            <a:endParaRPr lang="en-US" altLang="ko-KR" dirty="0" smtClean="0">
+              <a:latin typeface="다음_Regular" panose="02000603060000000000" pitchFamily="2" charset="-127"/>
+              <a:ea typeface="다음_Regular" panose="02000603060000000000" pitchFamily="2" charset="-127"/>
+            </a:endParaRPr>
+          </a:p>
+          <a:p>
+            <a:r>
+              <a:rPr lang="en-US" altLang="ko-KR" dirty="0" smtClean="0">
+                <a:latin typeface="다음_Regular" panose="02000603060000000000" pitchFamily="2" charset="-127"/>
+                <a:ea typeface="다음_Regular" panose="02000603060000000000" pitchFamily="2" charset="-127"/>
+              </a:rPr>
+              <a:t>: </a:t>
+            </a:r>
+            <a:r>
+              <a:rPr lang="ko-KR" altLang="en-US" dirty="0" smtClean="0">
+                <a:latin typeface="다음_Regular" panose="02000603060000000000" pitchFamily="2" charset="-127"/>
+                <a:ea typeface="다음_Regular" panose="02000603060000000000" pitchFamily="2" charset="-127"/>
+              </a:rPr>
+              <a:t>피드백 강점</a:t>
+            </a:r>
+            <a:r>
+              <a:rPr lang="en-US" altLang="ko-KR" dirty="0" smtClean="0">
+                <a:latin typeface="다음_Regular" panose="02000603060000000000" pitchFamily="2" charset="-127"/>
+                <a:ea typeface="다음_Regular" panose="02000603060000000000" pitchFamily="2" charset="-127"/>
+              </a:rPr>
+              <a:t>?</a:t>
+            </a:r>
+          </a:p>
+          <a:p>
+            <a:r>
+              <a:rPr lang="en-US" altLang="ko-KR" dirty="0" smtClean="0">
+                <a:latin typeface="다음_Regular" panose="02000603060000000000" pitchFamily="2" charset="-127"/>
+                <a:ea typeface="다음_Regular" panose="02000603060000000000" pitchFamily="2" charset="-127"/>
+              </a:rPr>
+              <a:t>: </a:t>
+            </a:r>
+            <a:r>
+              <a:rPr lang="ko-KR" altLang="en-US" dirty="0" smtClean="0">
+                <a:latin typeface="다음_Regular" panose="02000603060000000000" pitchFamily="2" charset="-127"/>
+                <a:ea typeface="다음_Regular" panose="02000603060000000000" pitchFamily="2" charset="-127"/>
+              </a:rPr>
+              <a:t>좋은 점이나</a:t>
+            </a:r>
+            <a:endParaRPr lang="en-US" altLang="ko-KR" dirty="0" smtClean="0">
+              <a:latin typeface="다음_Regular" panose="02000603060000000000" pitchFamily="2" charset="-127"/>
+              <a:ea typeface="다음_Regular" panose="02000603060000000000" pitchFamily="2" charset="-127"/>
+            </a:endParaRPr>
+          </a:p>
+          <a:p>
+            <a:r>
+              <a:rPr lang="en-US" altLang="ko-KR" dirty="0" smtClean="0">
+                <a:latin typeface="다음_Regular" panose="02000603060000000000" pitchFamily="2" charset="-127"/>
+                <a:ea typeface="다음_Regular" panose="02000603060000000000" pitchFamily="2" charset="-127"/>
+              </a:rPr>
+              <a:t>: </a:t>
+            </a:r>
+            <a:r>
+              <a:rPr lang="ko-KR" altLang="en-US" dirty="0" smtClean="0">
+                <a:latin typeface="다음_Regular" panose="02000603060000000000" pitchFamily="2" charset="-127"/>
+                <a:ea typeface="다음_Regular" panose="02000603060000000000" pitchFamily="2" charset="-127"/>
+              </a:rPr>
+              <a:t>성공 사례</a:t>
+            </a:r>
+            <a:r>
+              <a:rPr lang="en-US" altLang="ko-KR" dirty="0" smtClean="0">
+                <a:latin typeface="다음_Regular" panose="02000603060000000000" pitchFamily="2" charset="-127"/>
+                <a:ea typeface="다음_Regular" panose="02000603060000000000" pitchFamily="2" charset="-127"/>
+              </a:rPr>
+              <a:t>?</a:t>
+            </a:r>
+            <a:endParaRPr lang="en-US" altLang="ko-KR" dirty="0">
+              <a:latin typeface="다음_Regular" panose="02000603060000000000" pitchFamily="2" charset="-127"/>
+              <a:ea typeface="다음_Regular" panose="02000603060000000000" pitchFamily="2" charset="-127"/>
+            </a:endParaRPr>
+          </a:p>
+        </p:txBody>
+      </p:sp>
+      <p:sp>
+        <p:nvSpPr>
+          <p:cNvPr id="14" name="직사각형 13"/>
+          <p:cNvSpPr/>
+          <p:nvPr/>
+        </p:nvSpPr>
+        <p:spPr>
+          <a:xfrm>
+            <a:off x="3267544" y="2700068"/>
+            <a:ext cx="2649164" cy="4157932"/>
+          </a:xfrm>
+          <a:prstGeom prst="rect">
+            <a:avLst/>
+          </a:prstGeom>
+          <a:solidFill>
+            <a:schemeClr val="bg1"/>
+          </a:solidFill>
+          <a:ln>
+            <a:noFill/>
+          </a:ln>
+        </p:spPr>
+        <p:style>
+          <a:lnRef idx="2">
+            <a:schemeClr val="accent1">
+              <a:shade val="50000"/>
+            </a:schemeClr>
+          </a:lnRef>
+          <a:fillRef idx="1">
+            <a:schemeClr val="accent1"/>
+          </a:fillRef>
+          <a:effectRef idx="0">
+            <a:schemeClr val="accent1"/>
+          </a:effectRef>
+          <a:fontRef idx="minor">
+            <a:schemeClr val="lt1"/>
+          </a:fontRef>
+        </p:style>
+        <p:txBody>
+          <a:bodyPr rtlCol="0" anchor="ctr"/>
+          <a:lstStyle/>
+          <a:p>
+            <a:pPr algn="ctr"/>
+            <a:endParaRPr lang="ko-KR" altLang="en-US"/>
+          </a:p>
+        </p:txBody>
+      </p:sp>
+      <p:pic>
+        <p:nvPicPr>
+          <p:cNvPr id="5" name="그림 4"/>
+          <p:cNvPicPr>
+            <a:picLocks noChangeAspect="1"/>
+          </p:cNvPicPr>
+          <p:nvPr/>
+        </p:nvPicPr>
+        <p:blipFill rotWithShape="1">
+          <a:blip r:embed="rId5"/>
+          <a:srcRect l="17287" r="16807" b="63860"/>
+          <a:stretch/>
+        </p:blipFill>
+        <p:spPr>
+          <a:xfrm>
+            <a:off x="3332669" y="3670837"/>
+            <a:ext cx="2518913" cy="2065729"/>
+          </a:xfrm>
+          <a:prstGeom prst="rect">
+            <a:avLst/>
+          </a:prstGeom>
+        </p:spPr>
+      </p:pic>
+    </p:spTree>
+    <p:extLst>
+      <p:ext uri="{BB962C8B-B14F-4D97-AF65-F5344CB8AC3E}">
+        <p14:creationId xmlns:p14="http://schemas.microsoft.com/office/powerpoint/2010/main" val="1250504715"/>
+      </p:ext>
+    </p:extLst>
+  </p:cSld>
+  <p:clrMapOvr>
+    <a:masterClrMapping/>
+  </p:clrMapOvr>
+</p:sld>
+</file>
+
+<file path=ppt/slides/slide7.xml><?xml version="1.0" encoding="utf-8"?>
+<p:sld xmlns:a="http://schemas.openxmlformats.org/drawingml/2006/main" xmlns:r="http://schemas.openxmlformats.org/officeDocument/2006/relationships" xmlns:p="http://schemas.openxmlformats.org/presentationml/2006/main">
+  <p:cSld>
+    <p:spTree>
+      <p:nvGrpSpPr>
+        <p:cNvPr id="1" name=""/>
+        <p:cNvGrpSpPr/>
+        <p:nvPr/>
+      </p:nvGrpSpPr>
+      <p:grpSpPr>
+        <a:xfrm>
+          <a:off x="0" y="0"/>
+          <a:ext cx="0" cy="0"/>
+          <a:chOff x="0" y="0"/>
+          <a:chExt cx="0" cy="0"/>
+        </a:xfrm>
+      </p:grpSpPr>
+      <p:sp>
+        <p:nvSpPr>
+          <p:cNvPr id="3" name="TextBox 2"/>
+          <p:cNvSpPr txBox="1"/>
+          <p:nvPr/>
+        </p:nvSpPr>
+        <p:spPr>
+          <a:xfrm>
+            <a:off x="61866" y="3856009"/>
+            <a:ext cx="2457542" cy="1815882"/>
+          </a:xfrm>
+          <a:prstGeom prst="rect">
+            <a:avLst/>
+          </a:prstGeom>
+          <a:noFill/>
+        </p:spPr>
+        <p:txBody>
+          <a:bodyPr wrap="square" rtlCol="0">
+            <a:spAutoFit/>
+          </a:bodyPr>
+          <a:lstStyle/>
+          <a:p>
+            <a:r>
+              <a:rPr lang="ko-KR" altLang="en-US" sz="1600" dirty="0" smtClean="0">
+                <a:latin typeface="다음_Regular" panose="02000603060000000000" pitchFamily="2" charset="-127"/>
+                <a:ea typeface="다음_Regular" panose="02000603060000000000" pitchFamily="2" charset="-127"/>
+              </a:rPr>
+              <a:t>서비스 </a:t>
+            </a:r>
+            <a:r>
+              <a:rPr lang="ko-KR" altLang="en-US" sz="1600" dirty="0" smtClean="0">
+                <a:latin typeface="다음_Regular" panose="02000603060000000000" pitchFamily="2" charset="-127"/>
+                <a:ea typeface="다음_Regular" panose="02000603060000000000" pitchFamily="2" charset="-127"/>
+              </a:rPr>
+              <a:t>소개</a:t>
+            </a:r>
+            <a:endParaRPr lang="en-US" altLang="ko-KR" sz="1600" dirty="0" smtClean="0">
+              <a:latin typeface="다음_Regular" panose="02000603060000000000" pitchFamily="2" charset="-127"/>
+              <a:ea typeface="다음_Regular" panose="02000603060000000000" pitchFamily="2" charset="-127"/>
+            </a:endParaRPr>
+          </a:p>
+          <a:p>
+            <a:endParaRPr lang="en-US" altLang="ko-KR" sz="1600" dirty="0">
+              <a:latin typeface="다음_Regular" panose="02000603060000000000" pitchFamily="2" charset="-127"/>
+              <a:ea typeface="다음_Regular" panose="02000603060000000000" pitchFamily="2" charset="-127"/>
+            </a:endParaRPr>
+          </a:p>
+          <a:p>
+            <a:r>
+              <a:rPr lang="ko-KR" altLang="en-US" sz="1600" dirty="0" smtClean="0">
+                <a:latin typeface="다음_Regular" panose="02000603060000000000" pitchFamily="2" charset="-127"/>
+                <a:ea typeface="다음_Regular" panose="02000603060000000000" pitchFamily="2" charset="-127"/>
+              </a:rPr>
+              <a:t>소개 하고 소통하는 과정</a:t>
+            </a:r>
+            <a:endParaRPr lang="en-US" altLang="ko-KR" sz="1600" dirty="0" smtClean="0">
+              <a:latin typeface="다음_Regular" panose="02000603060000000000" pitchFamily="2" charset="-127"/>
+              <a:ea typeface="다음_Regular" panose="02000603060000000000" pitchFamily="2" charset="-127"/>
+            </a:endParaRPr>
+          </a:p>
+          <a:p>
+            <a:r>
+              <a:rPr lang="ko-KR" altLang="en-US" sz="1600" dirty="0" smtClean="0">
+                <a:latin typeface="다음_Regular" panose="02000603060000000000" pitchFamily="2" charset="-127"/>
+                <a:ea typeface="다음_Regular" panose="02000603060000000000" pitchFamily="2" charset="-127"/>
+              </a:rPr>
+              <a:t>소통 부분은 유저에서 보여주고 스토리가 어떻게 보여지는지</a:t>
+            </a:r>
+            <a:r>
+              <a:rPr lang="en-US" altLang="ko-KR" sz="1600" dirty="0" smtClean="0">
+                <a:latin typeface="다음_Regular" panose="02000603060000000000" pitchFamily="2" charset="-127"/>
+                <a:ea typeface="다음_Regular" panose="02000603060000000000" pitchFamily="2" charset="-127"/>
+              </a:rPr>
+              <a:t>? </a:t>
+            </a:r>
+            <a:r>
+              <a:rPr lang="ko-KR" altLang="en-US" sz="1600" dirty="0" smtClean="0">
+                <a:latin typeface="다음_Regular" panose="02000603060000000000" pitchFamily="2" charset="-127"/>
+                <a:ea typeface="다음_Regular" panose="02000603060000000000" pitchFamily="2" charset="-127"/>
+              </a:rPr>
+              <a:t>서비스 소개가 어떤 식으로 되는지</a:t>
+            </a:r>
+            <a:r>
+              <a:rPr lang="en-US" altLang="ko-KR" sz="1600" dirty="0" smtClean="0">
+                <a:latin typeface="다음_Regular" panose="02000603060000000000" pitchFamily="2" charset="-127"/>
+                <a:ea typeface="다음_Regular" panose="02000603060000000000" pitchFamily="2" charset="-127"/>
+              </a:rPr>
+              <a:t>?</a:t>
+            </a:r>
+            <a:endParaRPr lang="en-US" altLang="ko-KR" sz="1600" dirty="0" smtClean="0">
+              <a:latin typeface="다음_Regular" panose="02000603060000000000" pitchFamily="2" charset="-127"/>
+              <a:ea typeface="다음_Regular" panose="02000603060000000000" pitchFamily="2" charset="-127"/>
+            </a:endParaRPr>
+          </a:p>
+        </p:txBody>
+      </p:sp>
+      <p:grpSp>
+        <p:nvGrpSpPr>
+          <p:cNvPr id="8" name="그룹 7"/>
+          <p:cNvGrpSpPr/>
+          <p:nvPr/>
+        </p:nvGrpSpPr>
+        <p:grpSpPr>
+          <a:xfrm>
+            <a:off x="2520000" y="0"/>
+            <a:ext cx="4134143" cy="6858002"/>
+            <a:chOff x="1647244" y="0"/>
+            <a:chExt cx="4134143" cy="6858002"/>
+          </a:xfrm>
+        </p:grpSpPr>
+        <p:pic>
+          <p:nvPicPr>
+            <p:cNvPr id="6" name="그림 5"/>
+            <p:cNvPicPr>
+              <a:picLocks noChangeAspect="1"/>
+            </p:cNvPicPr>
+            <p:nvPr/>
+          </p:nvPicPr>
+          <p:blipFill>
+            <a:blip r:embed="rId2"/>
+            <a:stretch>
+              <a:fillRect/>
+            </a:stretch>
+          </p:blipFill>
+          <p:spPr>
+            <a:xfrm>
+              <a:off x="1647244" y="0"/>
+              <a:ext cx="4129088" cy="6858002"/>
+            </a:xfrm>
+            <a:prstGeom prst="rect">
+              <a:avLst/>
+            </a:prstGeom>
+          </p:spPr>
+        </p:pic>
+        <p:sp>
+          <p:nvSpPr>
+            <p:cNvPr id="7" name="직사각형 6"/>
+            <p:cNvSpPr/>
+            <p:nvPr/>
+          </p:nvSpPr>
+          <p:spPr>
+            <a:xfrm>
+              <a:off x="1652299" y="280416"/>
+              <a:ext cx="4129088" cy="6577584"/>
+            </a:xfrm>
+            <a:prstGeom prst="rect">
+              <a:avLst/>
+            </a:prstGeom>
+            <a:solidFill>
+              <a:srgbClr val="F3F5F4"/>
+            </a:solidFill>
+            <a:ln>
+              <a:noFill/>
+            </a:ln>
+          </p:spPr>
+          <p:style>
+            <a:lnRef idx="2">
+              <a:schemeClr val="accent1">
+                <a:shade val="50000"/>
+              </a:schemeClr>
+            </a:lnRef>
+            <a:fillRef idx="1">
+              <a:schemeClr val="accent1"/>
+            </a:fillRef>
+            <a:effectRef idx="0">
+              <a:schemeClr val="accent1"/>
+            </a:effectRef>
+            <a:fontRef idx="minor">
+              <a:schemeClr val="lt1"/>
+            </a:fontRef>
+          </p:style>
+          <p:txBody>
+            <a:bodyPr rtlCol="0" anchor="ctr"/>
+            <a:lstStyle/>
+            <a:p>
+              <a:pPr algn="ctr"/>
+              <a:endParaRPr lang="ko-KR" altLang="en-US"/>
+            </a:p>
+          </p:txBody>
+        </p:sp>
+      </p:grpSp>
+      <p:sp>
+        <p:nvSpPr>
+          <p:cNvPr id="19" name="TextBox 18"/>
+          <p:cNvSpPr txBox="1"/>
+          <p:nvPr/>
+        </p:nvSpPr>
+        <p:spPr>
+          <a:xfrm>
+            <a:off x="2525055" y="736331"/>
+            <a:ext cx="4134143" cy="584775"/>
+          </a:xfrm>
+          <a:prstGeom prst="rect">
+            <a:avLst/>
+          </a:prstGeom>
+          <a:noFill/>
+        </p:spPr>
+        <p:txBody>
+          <a:bodyPr wrap="square" rtlCol="0">
+            <a:spAutoFit/>
+          </a:bodyPr>
+          <a:lstStyle/>
+          <a:p>
+            <a:pPr algn="ctr"/>
+            <a:r>
+              <a:rPr lang="ko-KR" altLang="en-US" sz="1600" dirty="0" smtClean="0">
+                <a:latin typeface="다음_Regular" panose="02000603060000000000" pitchFamily="2" charset="-127"/>
+                <a:ea typeface="다음_Regular" panose="02000603060000000000" pitchFamily="2" charset="-127"/>
+              </a:rPr>
+              <a:t>서비스를 소개하고</a:t>
+            </a:r>
+            <a:endParaRPr lang="en-US" altLang="ko-KR" sz="1600" dirty="0" smtClean="0">
+              <a:latin typeface="다음_Regular" panose="02000603060000000000" pitchFamily="2" charset="-127"/>
+              <a:ea typeface="다음_Regular" panose="02000603060000000000" pitchFamily="2" charset="-127"/>
+            </a:endParaRPr>
+          </a:p>
+          <a:p>
+            <a:pPr algn="ctr"/>
+            <a:r>
+              <a:rPr lang="ko-KR" altLang="en-US" sz="1600" dirty="0" smtClean="0">
+                <a:latin typeface="다음_Regular" panose="02000603060000000000" pitchFamily="2" charset="-127"/>
+                <a:ea typeface="다음_Regular" panose="02000603060000000000" pitchFamily="2" charset="-127"/>
+              </a:rPr>
+              <a:t>잠재 고객과 소통하세요</a:t>
+            </a:r>
+            <a:r>
+              <a:rPr lang="en-US" altLang="ko-KR" sz="1600" dirty="0" smtClean="0">
+                <a:latin typeface="다음_Regular" panose="02000603060000000000" pitchFamily="2" charset="-127"/>
+                <a:ea typeface="다음_Regular" panose="02000603060000000000" pitchFamily="2" charset="-127"/>
+              </a:rPr>
+              <a:t>!</a:t>
+            </a:r>
+            <a:endParaRPr lang="ko-KR" altLang="en-US" sz="1600" dirty="0">
+              <a:latin typeface="다음_Regular" panose="02000603060000000000" pitchFamily="2" charset="-127"/>
+              <a:ea typeface="다음_Regular" panose="02000603060000000000" pitchFamily="2" charset="-127"/>
+            </a:endParaRPr>
+          </a:p>
+        </p:txBody>
+      </p:sp>
+      <p:grpSp>
+        <p:nvGrpSpPr>
+          <p:cNvPr id="37" name="그룹 36"/>
+          <p:cNvGrpSpPr>
+            <a:grpSpLocks noChangeAspect="1"/>
+          </p:cNvGrpSpPr>
+          <p:nvPr/>
+        </p:nvGrpSpPr>
+        <p:grpSpPr>
+          <a:xfrm>
+            <a:off x="2826849" y="3307061"/>
+            <a:ext cx="2388595" cy="3550939"/>
+            <a:chOff x="2343370" y="1905881"/>
+            <a:chExt cx="2736835" cy="4501270"/>
+          </a:xfrm>
+        </p:grpSpPr>
+        <p:pic>
+          <p:nvPicPr>
+            <p:cNvPr id="38" name="그림 37"/>
+            <p:cNvPicPr>
+              <a:picLocks noChangeAspect="1"/>
+            </p:cNvPicPr>
+            <p:nvPr/>
+          </p:nvPicPr>
+          <p:blipFill>
+            <a:blip r:embed="rId3">
+              <a:grayscl/>
+              <a:extLst>
+                <a:ext uri="{BEBA8EAE-BF5A-486C-A8C5-ECC9F3942E4B}">
+                  <a14:imgProps xmlns:a14="http://schemas.microsoft.com/office/drawing/2010/main">
+                    <a14:imgLayer r:embed="rId4">
+                      <a14:imgEffect>
+                        <a14:backgroundRemoval t="1742" b="100000" l="2865" r="100000"/>
+                      </a14:imgEffect>
+                    </a14:imgLayer>
+                  </a14:imgProps>
+                </a:ext>
+              </a:extLst>
+            </a:blip>
+            <a:stretch>
+              <a:fillRect/>
+            </a:stretch>
+          </p:blipFill>
+          <p:spPr>
+            <a:xfrm>
+              <a:off x="2343370" y="1905881"/>
+              <a:ext cx="2736835" cy="4501270"/>
+            </a:xfrm>
+            <a:prstGeom prst="rect">
+              <a:avLst/>
+            </a:prstGeom>
+          </p:spPr>
+        </p:pic>
+        <p:sp>
+          <p:nvSpPr>
+            <p:cNvPr id="39" name="타원 38"/>
+            <p:cNvSpPr/>
+            <p:nvPr/>
+          </p:nvSpPr>
+          <p:spPr>
+            <a:xfrm>
+              <a:off x="3604260" y="2122170"/>
+              <a:ext cx="207311" cy="111120"/>
+            </a:xfrm>
+            <a:prstGeom prst="ellipse">
+              <a:avLst/>
+            </a:prstGeom>
+            <a:solidFill>
+              <a:srgbClr val="ECECEC"/>
+            </a:solidFill>
+            <a:ln>
+              <a:noFill/>
+            </a:ln>
+          </p:spPr>
+          <p:style>
+            <a:lnRef idx="2">
+              <a:schemeClr val="accent1">
+                <a:shade val="50000"/>
+              </a:schemeClr>
+            </a:lnRef>
+            <a:fillRef idx="1">
+              <a:schemeClr val="accent1"/>
+            </a:fillRef>
+            <a:effectRef idx="0">
+              <a:schemeClr val="accent1"/>
+            </a:effectRef>
+            <a:fontRef idx="minor">
+              <a:schemeClr val="lt1"/>
+            </a:fontRef>
+          </p:style>
+          <p:txBody>
+            <a:bodyPr rtlCol="0" anchor="ctr"/>
+            <a:lstStyle/>
+            <a:p>
+              <a:pPr algn="ctr"/>
+              <a:endParaRPr lang="ko-KR" altLang="en-US"/>
+            </a:p>
+          </p:txBody>
+        </p:sp>
+        <p:sp>
+          <p:nvSpPr>
+            <p:cNvPr id="40" name="타원 39"/>
+            <p:cNvSpPr/>
+            <p:nvPr/>
+          </p:nvSpPr>
+          <p:spPr>
+            <a:xfrm>
+              <a:off x="3229854" y="2300994"/>
+              <a:ext cx="207311" cy="111120"/>
+            </a:xfrm>
+            <a:prstGeom prst="ellipse">
+              <a:avLst/>
+            </a:prstGeom>
+            <a:solidFill>
+              <a:srgbClr val="ECECEC"/>
+            </a:solidFill>
+            <a:ln>
+              <a:noFill/>
+            </a:ln>
+          </p:spPr>
+          <p:style>
+            <a:lnRef idx="2">
+              <a:schemeClr val="accent1">
+                <a:shade val="50000"/>
+              </a:schemeClr>
+            </a:lnRef>
+            <a:fillRef idx="1">
+              <a:schemeClr val="accent1"/>
+            </a:fillRef>
+            <a:effectRef idx="0">
+              <a:schemeClr val="accent1"/>
+            </a:effectRef>
+            <a:fontRef idx="minor">
+              <a:schemeClr val="lt1"/>
+            </a:fontRef>
+          </p:style>
+          <p:txBody>
+            <a:bodyPr rtlCol="0" anchor="ctr"/>
+            <a:lstStyle/>
+            <a:p>
+              <a:pPr algn="ctr"/>
+              <a:endParaRPr lang="ko-KR" altLang="en-US"/>
+            </a:p>
+          </p:txBody>
+        </p:sp>
+      </p:grpSp>
+      <p:pic>
+        <p:nvPicPr>
+          <p:cNvPr id="12" name="그림 11"/>
+          <p:cNvPicPr>
+            <a:picLocks noChangeAspect="1"/>
+          </p:cNvPicPr>
+          <p:nvPr/>
+        </p:nvPicPr>
+        <p:blipFill rotWithShape="1">
+          <a:blip r:embed="rId5"/>
+          <a:srcRect t="4793"/>
+          <a:stretch/>
+        </p:blipFill>
+        <p:spPr>
+          <a:xfrm>
+            <a:off x="3064704" y="3843847"/>
+            <a:ext cx="1906126" cy="3014153"/>
+          </a:xfrm>
+          <a:prstGeom prst="rect">
+            <a:avLst/>
+          </a:prstGeom>
+        </p:spPr>
+      </p:pic>
+      <p:sp>
+        <p:nvSpPr>
+          <p:cNvPr id="14" name="직사각형 13"/>
+          <p:cNvSpPr/>
+          <p:nvPr/>
+        </p:nvSpPr>
+        <p:spPr>
+          <a:xfrm>
+            <a:off x="3071416" y="3843845"/>
+            <a:ext cx="1906126" cy="3014153"/>
+          </a:xfrm>
+          <a:prstGeom prst="rect">
+            <a:avLst/>
+          </a:prstGeom>
+          <a:solidFill>
+            <a:schemeClr val="bg2">
+              <a:lumMod val="50000"/>
+              <a:alpha val="67000"/>
+            </a:schemeClr>
+          </a:solidFill>
+          <a:ln>
+            <a:noFill/>
+          </a:ln>
+        </p:spPr>
+        <p:style>
+          <a:lnRef idx="2">
+            <a:schemeClr val="accent1">
+              <a:shade val="50000"/>
+            </a:schemeClr>
+          </a:lnRef>
+          <a:fillRef idx="1">
+            <a:schemeClr val="accent1"/>
+          </a:fillRef>
+          <a:effectRef idx="0">
+            <a:schemeClr val="accent1"/>
+          </a:effectRef>
+          <a:fontRef idx="minor">
+            <a:schemeClr val="lt1"/>
+          </a:fontRef>
+        </p:style>
+        <p:txBody>
+          <a:bodyPr rtlCol="0" anchor="ctr"/>
+          <a:lstStyle/>
+          <a:p>
+            <a:pPr algn="ctr"/>
+            <a:endParaRPr lang="ko-KR" altLang="en-US"/>
+          </a:p>
+        </p:txBody>
+      </p:sp>
+      <p:pic>
+        <p:nvPicPr>
+          <p:cNvPr id="41" name="그림 40"/>
+          <p:cNvPicPr>
+            <a:picLocks noChangeAspect="1"/>
+          </p:cNvPicPr>
+          <p:nvPr/>
+        </p:nvPicPr>
+        <p:blipFill rotWithShape="1">
+          <a:blip r:embed="rId5"/>
+          <a:srcRect l="3945" t="48300" r="44915" b="29629"/>
+          <a:stretch/>
+        </p:blipFill>
+        <p:spPr>
+          <a:xfrm>
+            <a:off x="3133448" y="5210355"/>
+            <a:ext cx="974785" cy="698739"/>
+          </a:xfrm>
+          <a:prstGeom prst="rect">
+            <a:avLst/>
+          </a:prstGeom>
+          <a:effectLst>
+            <a:softEdge rad="63500"/>
+          </a:effectLst>
+        </p:spPr>
+      </p:pic>
+      <p:pic>
+        <p:nvPicPr>
+          <p:cNvPr id="15" name="그림 14"/>
+          <p:cNvPicPr>
+            <a:picLocks noChangeAspect="1"/>
+          </p:cNvPicPr>
+          <p:nvPr/>
+        </p:nvPicPr>
+        <p:blipFill rotWithShape="1">
+          <a:blip r:embed="rId6"/>
+          <a:srcRect t="4376"/>
+          <a:stretch/>
+        </p:blipFill>
+        <p:spPr>
+          <a:xfrm>
+            <a:off x="3788350" y="2057437"/>
+            <a:ext cx="2636524" cy="4187380"/>
+          </a:xfrm>
+          <a:prstGeom prst="rect">
+            <a:avLst/>
+          </a:prstGeom>
+        </p:spPr>
+      </p:pic>
+      <p:cxnSp>
+        <p:nvCxnSpPr>
+          <p:cNvPr id="17" name="직선 연결선 16"/>
+          <p:cNvCxnSpPr/>
+          <p:nvPr/>
+        </p:nvCxnSpPr>
+        <p:spPr>
+          <a:xfrm flipH="1">
+            <a:off x="3179957" y="2057437"/>
+            <a:ext cx="601511" cy="3293484"/>
+          </a:xfrm>
+          <a:prstGeom prst="line">
+            <a:avLst/>
+          </a:prstGeom>
+          <a:ln w="28575">
+            <a:solidFill>
+              <a:srgbClr val="FCBB01"/>
+            </a:solidFill>
+          </a:ln>
+        </p:spPr>
+        <p:style>
+          <a:lnRef idx="1">
+            <a:schemeClr val="accent1"/>
+          </a:lnRef>
+          <a:fillRef idx="0">
+            <a:schemeClr val="accent1"/>
+          </a:fillRef>
+          <a:effectRef idx="0">
+            <a:schemeClr val="accent1"/>
+          </a:effectRef>
+          <a:fontRef idx="minor">
+            <a:schemeClr val="tx1"/>
+          </a:fontRef>
+        </p:style>
+      </p:cxnSp>
+      <p:cxnSp>
+        <p:nvCxnSpPr>
+          <p:cNvPr id="43" name="직선 연결선 42"/>
+          <p:cNvCxnSpPr/>
+          <p:nvPr/>
+        </p:nvCxnSpPr>
+        <p:spPr>
+          <a:xfrm flipH="1" flipV="1">
+            <a:off x="3178723" y="5825642"/>
+            <a:ext cx="602746" cy="419177"/>
+          </a:xfrm>
+          <a:prstGeom prst="line">
+            <a:avLst/>
+          </a:prstGeom>
+          <a:ln w="28575">
+            <a:solidFill>
+              <a:srgbClr val="FCBB01"/>
+            </a:solidFill>
+          </a:ln>
+        </p:spPr>
+        <p:style>
+          <a:lnRef idx="1">
+            <a:schemeClr val="accent1"/>
+          </a:lnRef>
+          <a:fillRef idx="0">
+            <a:schemeClr val="accent1"/>
+          </a:fillRef>
+          <a:effectRef idx="0">
+            <a:schemeClr val="accent1"/>
+          </a:effectRef>
+          <a:fontRef idx="minor">
+            <a:schemeClr val="tx1"/>
+          </a:fontRef>
+        </p:style>
+      </p:cxnSp>
+      <p:grpSp>
+        <p:nvGrpSpPr>
+          <p:cNvPr id="49" name="그룹 48"/>
+          <p:cNvGrpSpPr/>
+          <p:nvPr/>
+        </p:nvGrpSpPr>
+        <p:grpSpPr>
+          <a:xfrm>
+            <a:off x="4375453" y="473149"/>
+            <a:ext cx="433346" cy="55321"/>
+            <a:chOff x="3310890" y="761999"/>
+            <a:chExt cx="358137" cy="45720"/>
+          </a:xfrm>
+        </p:grpSpPr>
+        <p:sp>
+          <p:nvSpPr>
+            <p:cNvPr id="51" name="타원 50"/>
+            <p:cNvSpPr/>
+            <p:nvPr/>
+          </p:nvSpPr>
+          <p:spPr>
+            <a:xfrm>
+              <a:off x="3310890" y="762000"/>
+              <a:ext cx="45719" cy="45719"/>
+            </a:xfrm>
+            <a:prstGeom prst="ellipse">
+              <a:avLst/>
+            </a:prstGeom>
+            <a:solidFill>
+              <a:srgbClr val="AFABAB"/>
+            </a:solidFill>
+            <a:ln>
+              <a:noFill/>
+            </a:ln>
+          </p:spPr>
+          <p:style>
+            <a:lnRef idx="2">
+              <a:schemeClr val="accent1">
+                <a:shade val="50000"/>
+              </a:schemeClr>
+            </a:lnRef>
+            <a:fillRef idx="1">
+              <a:schemeClr val="accent1"/>
+            </a:fillRef>
+            <a:effectRef idx="0">
+              <a:schemeClr val="accent1"/>
+            </a:effectRef>
+            <a:fontRef idx="minor">
+              <a:schemeClr val="lt1"/>
+            </a:fontRef>
+          </p:style>
+          <p:txBody>
+            <a:bodyPr rtlCol="0" anchor="ctr"/>
+            <a:lstStyle/>
+            <a:p>
+              <a:pPr algn="ctr"/>
+              <a:endParaRPr lang="ko-KR" altLang="en-US"/>
+            </a:p>
+          </p:txBody>
+        </p:sp>
+        <p:sp>
+          <p:nvSpPr>
+            <p:cNvPr id="52" name="타원 51"/>
+            <p:cNvSpPr/>
+            <p:nvPr/>
+          </p:nvSpPr>
+          <p:spPr>
+            <a:xfrm>
+              <a:off x="3417570" y="762000"/>
+              <a:ext cx="45719" cy="45719"/>
+            </a:xfrm>
+            <a:prstGeom prst="ellipse">
+              <a:avLst/>
+            </a:prstGeom>
+            <a:solidFill>
+              <a:srgbClr val="FCBB01"/>
+            </a:solidFill>
+            <a:ln>
+              <a:noFill/>
+            </a:ln>
+          </p:spPr>
+          <p:style>
+            <a:lnRef idx="2">
+              <a:schemeClr val="accent1">
+                <a:shade val="50000"/>
+              </a:schemeClr>
+            </a:lnRef>
+            <a:fillRef idx="1">
+              <a:schemeClr val="accent1"/>
+            </a:fillRef>
+            <a:effectRef idx="0">
+              <a:schemeClr val="accent1"/>
+            </a:effectRef>
+            <a:fontRef idx="minor">
+              <a:schemeClr val="lt1"/>
+            </a:fontRef>
+          </p:style>
+          <p:txBody>
+            <a:bodyPr rtlCol="0" anchor="ctr"/>
+            <a:lstStyle/>
+            <a:p>
+              <a:pPr algn="ctr"/>
+              <a:endParaRPr lang="ko-KR" altLang="en-US"/>
+            </a:p>
+          </p:txBody>
+        </p:sp>
+        <p:sp>
+          <p:nvSpPr>
+            <p:cNvPr id="53" name="타원 52"/>
+            <p:cNvSpPr/>
+            <p:nvPr/>
+          </p:nvSpPr>
+          <p:spPr>
+            <a:xfrm>
+              <a:off x="3520439" y="762000"/>
+              <a:ext cx="45719" cy="45719"/>
+            </a:xfrm>
+            <a:prstGeom prst="ellipse">
+              <a:avLst/>
+            </a:prstGeom>
+            <a:solidFill>
+              <a:srgbClr val="AFABAB"/>
+            </a:solidFill>
+            <a:ln>
+              <a:noFill/>
+            </a:ln>
+          </p:spPr>
+          <p:style>
+            <a:lnRef idx="2">
+              <a:schemeClr val="accent1">
+                <a:shade val="50000"/>
+              </a:schemeClr>
+            </a:lnRef>
+            <a:fillRef idx="1">
+              <a:schemeClr val="accent1"/>
+            </a:fillRef>
+            <a:effectRef idx="0">
+              <a:schemeClr val="accent1"/>
+            </a:effectRef>
+            <a:fontRef idx="minor">
+              <a:schemeClr val="lt1"/>
+            </a:fontRef>
+          </p:style>
+          <p:txBody>
+            <a:bodyPr rtlCol="0" anchor="ctr"/>
+            <a:lstStyle/>
+            <a:p>
+              <a:pPr algn="ctr"/>
+              <a:endParaRPr lang="ko-KR" altLang="en-US"/>
+            </a:p>
+          </p:txBody>
+        </p:sp>
+        <p:sp>
+          <p:nvSpPr>
+            <p:cNvPr id="54" name="타원 53"/>
+            <p:cNvSpPr/>
+            <p:nvPr/>
+          </p:nvSpPr>
+          <p:spPr>
+            <a:xfrm>
+              <a:off x="3623308" y="761999"/>
+              <a:ext cx="45719" cy="45719"/>
+            </a:xfrm>
+            <a:prstGeom prst="ellipse">
+              <a:avLst/>
+            </a:prstGeom>
+            <a:solidFill>
+              <a:schemeClr val="bg2">
+                <a:lumMod val="75000"/>
+              </a:schemeClr>
+            </a:solidFill>
+            <a:ln>
+              <a:noFill/>
+            </a:ln>
+          </p:spPr>
+          <p:style>
+            <a:lnRef idx="2">
+              <a:schemeClr val="accent1">
+                <a:shade val="50000"/>
+              </a:schemeClr>
+            </a:lnRef>
+            <a:fillRef idx="1">
+              <a:schemeClr val="accent1"/>
+            </a:fillRef>
+            <a:effectRef idx="0">
+              <a:schemeClr val="accent1"/>
+            </a:effectRef>
+            <a:fontRef idx="minor">
+              <a:schemeClr val="lt1"/>
+            </a:fontRef>
+          </p:style>
+          <p:txBody>
+            <a:bodyPr rtlCol="0" anchor="ctr"/>
+            <a:lstStyle/>
+            <a:p>
+              <a:pPr algn="ctr"/>
+              <a:endParaRPr lang="ko-KR" altLang="en-US"/>
+            </a:p>
+          </p:txBody>
+        </p:sp>
+      </p:grpSp>
+      <p:sp>
+        <p:nvSpPr>
+          <p:cNvPr id="55" name="TextBox 54"/>
+          <p:cNvSpPr txBox="1"/>
+          <p:nvPr/>
+        </p:nvSpPr>
+        <p:spPr>
+          <a:xfrm>
+            <a:off x="2520000" y="1321106"/>
+            <a:ext cx="4129088" cy="261610"/>
+          </a:xfrm>
+          <a:prstGeom prst="rect">
+            <a:avLst/>
+          </a:prstGeom>
+          <a:noFill/>
+        </p:spPr>
+        <p:txBody>
+          <a:bodyPr wrap="square" rtlCol="0">
+            <a:spAutoFit/>
+          </a:bodyPr>
+          <a:lstStyle/>
+          <a:p>
+            <a:pPr algn="ctr"/>
+            <a:r>
+              <a:rPr lang="ko-KR" altLang="en-US" sz="1100" dirty="0" smtClean="0">
+                <a:solidFill>
+                  <a:schemeClr val="tx1">
+                    <a:lumMod val="65000"/>
+                    <a:lumOff val="35000"/>
+                  </a:schemeClr>
+                </a:solidFill>
+                <a:latin typeface="다음_Regular" panose="02000603060000000000" pitchFamily="2" charset="-127"/>
+                <a:ea typeface="다음_Regular" panose="02000603060000000000" pitchFamily="2" charset="-127"/>
+              </a:rPr>
+              <a:t>고객의 </a:t>
+            </a:r>
+            <a:r>
+              <a:rPr lang="en-US" altLang="ko-KR" sz="1100" dirty="0" smtClean="0">
+                <a:solidFill>
+                  <a:schemeClr val="tx1">
+                    <a:lumMod val="65000"/>
+                    <a:lumOff val="35000"/>
+                  </a:schemeClr>
+                </a:solidFill>
+                <a:latin typeface="다음_Regular" panose="02000603060000000000" pitchFamily="2" charset="-127"/>
+                <a:ea typeface="다음_Regular" panose="02000603060000000000" pitchFamily="2" charset="-127"/>
+              </a:rPr>
+              <a:t>Needs</a:t>
+            </a:r>
+            <a:r>
+              <a:rPr lang="ko-KR" altLang="en-US" sz="1100" dirty="0" smtClean="0">
+                <a:solidFill>
+                  <a:schemeClr val="tx1">
+                    <a:lumMod val="65000"/>
+                    <a:lumOff val="35000"/>
+                  </a:schemeClr>
+                </a:solidFill>
+                <a:latin typeface="다음_Regular" panose="02000603060000000000" pitchFamily="2" charset="-127"/>
+                <a:ea typeface="다음_Regular" panose="02000603060000000000" pitchFamily="2" charset="-127"/>
+              </a:rPr>
+              <a:t>와 </a:t>
+            </a:r>
+            <a:r>
+              <a:rPr lang="en-US" altLang="ko-KR" sz="1100" dirty="0" smtClean="0">
+                <a:solidFill>
+                  <a:schemeClr val="tx1">
+                    <a:lumMod val="65000"/>
+                    <a:lumOff val="35000"/>
+                  </a:schemeClr>
+                </a:solidFill>
+                <a:latin typeface="다음_Regular" panose="02000603060000000000" pitchFamily="2" charset="-127"/>
+                <a:ea typeface="다음_Regular" panose="02000603060000000000" pitchFamily="2" charset="-127"/>
+              </a:rPr>
+              <a:t>Value</a:t>
+            </a:r>
+            <a:r>
+              <a:rPr lang="ko-KR" altLang="en-US" sz="1100" dirty="0" smtClean="0">
+                <a:solidFill>
+                  <a:schemeClr val="tx1">
+                    <a:lumMod val="65000"/>
+                    <a:lumOff val="35000"/>
+                  </a:schemeClr>
+                </a:solidFill>
+                <a:latin typeface="다음_Regular" panose="02000603060000000000" pitchFamily="2" charset="-127"/>
+                <a:ea typeface="다음_Regular" panose="02000603060000000000" pitchFamily="2" charset="-127"/>
+              </a:rPr>
+              <a:t>를 직접 들어보세요</a:t>
+            </a:r>
+            <a:r>
+              <a:rPr lang="en-US" altLang="ko-KR" sz="1100" dirty="0" smtClean="0">
+                <a:solidFill>
+                  <a:schemeClr val="tx1">
+                    <a:lumMod val="65000"/>
+                    <a:lumOff val="35000"/>
+                  </a:schemeClr>
+                </a:solidFill>
+                <a:latin typeface="다음_Regular" panose="02000603060000000000" pitchFamily="2" charset="-127"/>
+                <a:ea typeface="다음_Regular" panose="02000603060000000000" pitchFamily="2" charset="-127"/>
+              </a:rPr>
+              <a:t>.</a:t>
+            </a:r>
+            <a:endParaRPr lang="ko-KR" altLang="en-US" sz="1100" dirty="0">
+              <a:solidFill>
+                <a:schemeClr val="tx1">
+                  <a:lumMod val="65000"/>
+                  <a:lumOff val="35000"/>
+                </a:schemeClr>
+              </a:solidFill>
+              <a:latin typeface="다음_Regular" panose="02000603060000000000" pitchFamily="2" charset="-127"/>
+              <a:ea typeface="다음_Regular" panose="02000603060000000000" pitchFamily="2" charset="-127"/>
+            </a:endParaRPr>
+          </a:p>
+        </p:txBody>
+      </p:sp>
+    </p:spTree>
+    <p:extLst>
+      <p:ext uri="{BB962C8B-B14F-4D97-AF65-F5344CB8AC3E}">
+        <p14:creationId xmlns:p14="http://schemas.microsoft.com/office/powerpoint/2010/main" val="1331700937"/>
+      </p:ext>
+    </p:extLst>
+  </p:cSld>
+  <p:clrMapOvr>
+    <a:masterClrMapping/>
+  </p:clrMapOvr>
+</p:sld>
+</file>
+
+<file path=ppt/slides/slide8.xml><?xml version="1.0" encoding="utf-8"?>
+<p:sld xmlns:a="http://schemas.openxmlformats.org/drawingml/2006/main" xmlns:r="http://schemas.openxmlformats.org/officeDocument/2006/relationships" xmlns:p="http://schemas.openxmlformats.org/presentationml/2006/main">
+  <p:cSld>
+    <p:spTree>
+      <p:nvGrpSpPr>
+        <p:cNvPr id="1" name=""/>
+        <p:cNvGrpSpPr/>
+        <p:nvPr/>
+      </p:nvGrpSpPr>
+      <p:grpSpPr>
+        <a:xfrm>
+          <a:off x="0" y="0"/>
+          <a:ext cx="0" cy="0"/>
+          <a:chOff x="0" y="0"/>
+          <a:chExt cx="0" cy="0"/>
+        </a:xfrm>
+      </p:grpSpPr>
+      <p:grpSp>
+        <p:nvGrpSpPr>
+          <p:cNvPr id="8" name="그룹 7"/>
+          <p:cNvGrpSpPr/>
+          <p:nvPr/>
+        </p:nvGrpSpPr>
+        <p:grpSpPr>
+          <a:xfrm>
+            <a:off x="2520000" y="0"/>
+            <a:ext cx="4134143" cy="6858002"/>
+            <a:chOff x="1647244" y="0"/>
+            <a:chExt cx="4134143" cy="6858002"/>
+          </a:xfrm>
+        </p:grpSpPr>
+        <p:pic>
+          <p:nvPicPr>
+            <p:cNvPr id="6" name="그림 5"/>
+            <p:cNvPicPr>
+              <a:picLocks noChangeAspect="1"/>
+            </p:cNvPicPr>
+            <p:nvPr/>
+          </p:nvPicPr>
+          <p:blipFill>
+            <a:blip r:embed="rId2"/>
+            <a:stretch>
+              <a:fillRect/>
+            </a:stretch>
+          </p:blipFill>
+          <p:spPr>
+            <a:xfrm>
+              <a:off x="1647244" y="0"/>
+              <a:ext cx="4129088" cy="6858002"/>
+            </a:xfrm>
+            <a:prstGeom prst="rect">
+              <a:avLst/>
+            </a:prstGeom>
+          </p:spPr>
+        </p:pic>
+        <p:sp>
+          <p:nvSpPr>
+            <p:cNvPr id="7" name="직사각형 6"/>
+            <p:cNvSpPr/>
+            <p:nvPr/>
+          </p:nvSpPr>
+          <p:spPr>
+            <a:xfrm>
+              <a:off x="1652299" y="280416"/>
+              <a:ext cx="4129088" cy="6577584"/>
+            </a:xfrm>
+            <a:prstGeom prst="rect">
+              <a:avLst/>
+            </a:prstGeom>
+            <a:solidFill>
+              <a:srgbClr val="F3F5F4"/>
+            </a:solidFill>
+            <a:ln>
+              <a:noFill/>
+            </a:ln>
+          </p:spPr>
+          <p:style>
+            <a:lnRef idx="2">
+              <a:schemeClr val="accent1">
+                <a:shade val="50000"/>
+              </a:schemeClr>
+            </a:lnRef>
+            <a:fillRef idx="1">
+              <a:schemeClr val="accent1"/>
+            </a:fillRef>
+            <a:effectRef idx="0">
+              <a:schemeClr val="accent1"/>
+            </a:effectRef>
+            <a:fontRef idx="minor">
+              <a:schemeClr val="lt1"/>
+            </a:fontRef>
+          </p:style>
+          <p:txBody>
+            <a:bodyPr rtlCol="0" anchor="ctr"/>
+            <a:lstStyle/>
+            <a:p>
+              <a:pPr algn="ctr"/>
+              <a:endParaRPr lang="ko-KR" altLang="en-US"/>
+            </a:p>
+          </p:txBody>
+        </p:sp>
+      </p:grpSp>
+      <p:grpSp>
+        <p:nvGrpSpPr>
+          <p:cNvPr id="19" name="그룹 18"/>
+          <p:cNvGrpSpPr/>
+          <p:nvPr/>
+        </p:nvGrpSpPr>
+        <p:grpSpPr>
+          <a:xfrm>
+            <a:off x="4375453" y="473149"/>
+            <a:ext cx="433346" cy="55321"/>
+            <a:chOff x="3310890" y="761999"/>
+            <a:chExt cx="358137" cy="45720"/>
+          </a:xfrm>
+        </p:grpSpPr>
+        <p:sp>
+          <p:nvSpPr>
+            <p:cNvPr id="20" name="타원 19"/>
+            <p:cNvSpPr/>
+            <p:nvPr/>
+          </p:nvSpPr>
+          <p:spPr>
+            <a:xfrm>
+              <a:off x="3310890" y="762000"/>
+              <a:ext cx="45719" cy="45719"/>
+            </a:xfrm>
+            <a:prstGeom prst="ellipse">
+              <a:avLst/>
+            </a:prstGeom>
+            <a:solidFill>
+              <a:srgbClr val="AFABAB"/>
+            </a:solidFill>
+            <a:ln>
+              <a:noFill/>
+            </a:ln>
+          </p:spPr>
+          <p:style>
+            <a:lnRef idx="2">
+              <a:schemeClr val="accent1">
+                <a:shade val="50000"/>
+              </a:schemeClr>
+            </a:lnRef>
+            <a:fillRef idx="1">
+              <a:schemeClr val="accent1"/>
+            </a:fillRef>
+            <a:effectRef idx="0">
+              <a:schemeClr val="accent1"/>
+            </a:effectRef>
+            <a:fontRef idx="minor">
+              <a:schemeClr val="lt1"/>
+            </a:fontRef>
+          </p:style>
+          <p:txBody>
+            <a:bodyPr rtlCol="0" anchor="ctr"/>
+            <a:lstStyle/>
+            <a:p>
+              <a:pPr algn="ctr"/>
+              <a:endParaRPr lang="ko-KR" altLang="en-US"/>
+            </a:p>
+          </p:txBody>
+        </p:sp>
+        <p:sp>
+          <p:nvSpPr>
+            <p:cNvPr id="21" name="타원 20"/>
+            <p:cNvSpPr/>
+            <p:nvPr/>
+          </p:nvSpPr>
+          <p:spPr>
+            <a:xfrm>
+              <a:off x="3417570" y="762000"/>
+              <a:ext cx="45719" cy="45719"/>
+            </a:xfrm>
+            <a:prstGeom prst="ellipse">
+              <a:avLst/>
+            </a:prstGeom>
+            <a:solidFill>
+              <a:schemeClr val="bg2">
+                <a:lumMod val="75000"/>
+              </a:schemeClr>
+            </a:solidFill>
+            <a:ln>
+              <a:noFill/>
+            </a:ln>
+          </p:spPr>
+          <p:style>
+            <a:lnRef idx="2">
+              <a:schemeClr val="accent1">
+                <a:shade val="50000"/>
+              </a:schemeClr>
+            </a:lnRef>
+            <a:fillRef idx="1">
+              <a:schemeClr val="accent1"/>
+            </a:fillRef>
+            <a:effectRef idx="0">
+              <a:schemeClr val="accent1"/>
+            </a:effectRef>
+            <a:fontRef idx="minor">
+              <a:schemeClr val="lt1"/>
+            </a:fontRef>
+          </p:style>
+          <p:txBody>
+            <a:bodyPr rtlCol="0" anchor="ctr"/>
+            <a:lstStyle/>
+            <a:p>
+              <a:pPr algn="ctr"/>
+              <a:endParaRPr lang="ko-KR" altLang="en-US"/>
+            </a:p>
+          </p:txBody>
+        </p:sp>
+        <p:sp>
+          <p:nvSpPr>
+            <p:cNvPr id="22" name="타원 21"/>
+            <p:cNvSpPr/>
+            <p:nvPr/>
+          </p:nvSpPr>
+          <p:spPr>
+            <a:xfrm>
+              <a:off x="3520439" y="762000"/>
+              <a:ext cx="45719" cy="45719"/>
+            </a:xfrm>
+            <a:prstGeom prst="ellipse">
+              <a:avLst/>
+            </a:prstGeom>
+            <a:solidFill>
+              <a:srgbClr val="FCBB01"/>
+            </a:solidFill>
+            <a:ln>
+              <a:noFill/>
+            </a:ln>
+          </p:spPr>
+          <p:style>
+            <a:lnRef idx="2">
+              <a:schemeClr val="accent1">
+                <a:shade val="50000"/>
+              </a:schemeClr>
+            </a:lnRef>
+            <a:fillRef idx="1">
+              <a:schemeClr val="accent1"/>
+            </a:fillRef>
+            <a:effectRef idx="0">
+              <a:schemeClr val="accent1"/>
+            </a:effectRef>
+            <a:fontRef idx="minor">
+              <a:schemeClr val="lt1"/>
+            </a:fontRef>
+          </p:style>
+          <p:txBody>
+            <a:bodyPr rtlCol="0" anchor="ctr"/>
+            <a:lstStyle/>
+            <a:p>
+              <a:pPr algn="ctr"/>
+              <a:endParaRPr lang="ko-KR" altLang="en-US"/>
+            </a:p>
+          </p:txBody>
+        </p:sp>
+        <p:sp>
+          <p:nvSpPr>
+            <p:cNvPr id="23" name="타원 22"/>
+            <p:cNvSpPr/>
+            <p:nvPr/>
+          </p:nvSpPr>
+          <p:spPr>
+            <a:xfrm>
+              <a:off x="3623308" y="761999"/>
+              <a:ext cx="45719" cy="45719"/>
+            </a:xfrm>
+            <a:prstGeom prst="ellipse">
+              <a:avLst/>
+            </a:prstGeom>
+            <a:solidFill>
+              <a:schemeClr val="bg2">
+                <a:lumMod val="75000"/>
+              </a:schemeClr>
+            </a:solidFill>
+            <a:ln>
+              <a:noFill/>
+            </a:ln>
+          </p:spPr>
+          <p:style>
+            <a:lnRef idx="2">
+              <a:schemeClr val="accent1">
+                <a:shade val="50000"/>
+              </a:schemeClr>
+            </a:lnRef>
+            <a:fillRef idx="1">
+              <a:schemeClr val="accent1"/>
+            </a:fillRef>
+            <a:effectRef idx="0">
+              <a:schemeClr val="accent1"/>
+            </a:effectRef>
+            <a:fontRef idx="minor">
+              <a:schemeClr val="lt1"/>
+            </a:fontRef>
+          </p:style>
+          <p:txBody>
+            <a:bodyPr rtlCol="0" anchor="ctr"/>
+            <a:lstStyle/>
+            <a:p>
+              <a:pPr algn="ctr"/>
+              <a:endParaRPr lang="ko-KR" altLang="en-US"/>
+            </a:p>
+          </p:txBody>
+        </p:sp>
+      </p:grpSp>
+      <p:sp>
+        <p:nvSpPr>
+          <p:cNvPr id="10" name="TextBox 9"/>
+          <p:cNvSpPr txBox="1"/>
+          <p:nvPr/>
+        </p:nvSpPr>
+        <p:spPr>
+          <a:xfrm>
+            <a:off x="2525055" y="736331"/>
+            <a:ext cx="4134143" cy="584775"/>
+          </a:xfrm>
+          <a:prstGeom prst="rect">
+            <a:avLst/>
+          </a:prstGeom>
+          <a:noFill/>
+        </p:spPr>
+        <p:txBody>
+          <a:bodyPr wrap="square" rtlCol="0">
+            <a:spAutoFit/>
+          </a:bodyPr>
+          <a:lstStyle/>
+          <a:p>
+            <a:pPr algn="ctr"/>
+            <a:r>
+              <a:rPr lang="ko-KR" altLang="en-US" sz="1600" dirty="0" smtClean="0">
+                <a:latin typeface="다음_Regular" panose="02000603060000000000" pitchFamily="2" charset="-127"/>
+                <a:ea typeface="다음_Regular" panose="02000603060000000000" pitchFamily="2" charset="-127"/>
+              </a:rPr>
+              <a:t>다양한 서비스를</a:t>
+            </a:r>
+            <a:endParaRPr lang="en-US" altLang="ko-KR" sz="1600" dirty="0" smtClean="0">
+              <a:latin typeface="다음_Regular" panose="02000603060000000000" pitchFamily="2" charset="-127"/>
+              <a:ea typeface="다음_Regular" panose="02000603060000000000" pitchFamily="2" charset="-127"/>
+            </a:endParaRPr>
+          </a:p>
+          <a:p>
+            <a:pPr algn="ctr"/>
+            <a:r>
+              <a:rPr lang="ko-KR" altLang="en-US" sz="1600" dirty="0" smtClean="0">
+                <a:latin typeface="다음_Regular" panose="02000603060000000000" pitchFamily="2" charset="-127"/>
+                <a:ea typeface="다음_Regular" panose="02000603060000000000" pitchFamily="2" charset="-127"/>
+              </a:rPr>
+              <a:t>경험하고 피드백 해주세요</a:t>
+            </a:r>
+            <a:r>
+              <a:rPr lang="en-US" altLang="ko-KR" sz="1600" dirty="0" smtClean="0">
+                <a:latin typeface="다음_Regular" panose="02000603060000000000" pitchFamily="2" charset="-127"/>
+                <a:ea typeface="다음_Regular" panose="02000603060000000000" pitchFamily="2" charset="-127"/>
+              </a:rPr>
+              <a:t>!</a:t>
+            </a:r>
+            <a:endParaRPr lang="ko-KR" altLang="en-US" sz="1600" dirty="0">
+              <a:latin typeface="다음_Regular" panose="02000603060000000000" pitchFamily="2" charset="-127"/>
+              <a:ea typeface="다음_Regular" panose="02000603060000000000" pitchFamily="2" charset="-127"/>
+            </a:endParaRPr>
+          </a:p>
+        </p:txBody>
+      </p:sp>
+      <p:sp>
+        <p:nvSpPr>
+          <p:cNvPr id="11" name="TextBox 10"/>
+          <p:cNvSpPr txBox="1"/>
+          <p:nvPr/>
+        </p:nvSpPr>
+        <p:spPr>
+          <a:xfrm>
+            <a:off x="2520000" y="1321106"/>
+            <a:ext cx="4129088" cy="261610"/>
+          </a:xfrm>
+          <a:prstGeom prst="rect">
+            <a:avLst/>
+          </a:prstGeom>
+          <a:noFill/>
+        </p:spPr>
+        <p:txBody>
+          <a:bodyPr wrap="square" rtlCol="0">
+            <a:spAutoFit/>
+          </a:bodyPr>
+          <a:lstStyle/>
+          <a:p>
+            <a:pPr algn="ctr"/>
+            <a:r>
+              <a:rPr lang="ko-KR" altLang="en-US" sz="1100" dirty="0" smtClean="0">
+                <a:solidFill>
+                  <a:schemeClr val="tx1">
+                    <a:lumMod val="65000"/>
+                    <a:lumOff val="35000"/>
+                  </a:schemeClr>
+                </a:solidFill>
+                <a:latin typeface="다음_Regular" panose="02000603060000000000" pitchFamily="2" charset="-127"/>
+                <a:ea typeface="다음_Regular" panose="02000603060000000000" pitchFamily="2" charset="-127"/>
+              </a:rPr>
+              <a:t>피드백과 인터뷰로 포인트를 쌓아보세요</a:t>
+            </a:r>
+            <a:r>
+              <a:rPr lang="en-US" altLang="ko-KR" sz="1100" dirty="0" smtClean="0">
+                <a:solidFill>
+                  <a:schemeClr val="tx1">
+                    <a:lumMod val="65000"/>
+                    <a:lumOff val="35000"/>
+                  </a:schemeClr>
+                </a:solidFill>
+                <a:latin typeface="다음_Regular" panose="02000603060000000000" pitchFamily="2" charset="-127"/>
+                <a:ea typeface="다음_Regular" panose="02000603060000000000" pitchFamily="2" charset="-127"/>
+              </a:rPr>
+              <a:t>!</a:t>
+            </a:r>
+            <a:endParaRPr lang="ko-KR" altLang="en-US" sz="1100" dirty="0">
+              <a:solidFill>
+                <a:schemeClr val="tx1">
+                  <a:lumMod val="65000"/>
+                  <a:lumOff val="35000"/>
+                </a:schemeClr>
+              </a:solidFill>
+              <a:latin typeface="다음_Regular" panose="02000603060000000000" pitchFamily="2" charset="-127"/>
+              <a:ea typeface="다음_Regular" panose="02000603060000000000" pitchFamily="2" charset="-127"/>
+            </a:endParaRPr>
+          </a:p>
+        </p:txBody>
+      </p:sp>
+      <p:sp>
+        <p:nvSpPr>
+          <p:cNvPr id="18" name="TextBox 17"/>
+          <p:cNvSpPr txBox="1"/>
+          <p:nvPr/>
+        </p:nvSpPr>
+        <p:spPr>
+          <a:xfrm>
+            <a:off x="10110" y="3856009"/>
+            <a:ext cx="2457542" cy="1692771"/>
+          </a:xfrm>
+          <a:prstGeom prst="rect">
+            <a:avLst/>
+          </a:prstGeom>
+          <a:noFill/>
+        </p:spPr>
+        <p:txBody>
+          <a:bodyPr wrap="square" rtlCol="0">
+            <a:spAutoFit/>
+          </a:bodyPr>
+          <a:lstStyle/>
+          <a:p>
+            <a:r>
+              <a:rPr lang="ko-KR" altLang="en-US" sz="1600" dirty="0" smtClean="0">
+                <a:latin typeface="다음_Regular" panose="02000603060000000000" pitchFamily="2" charset="-127"/>
+                <a:ea typeface="다음_Regular" panose="02000603060000000000" pitchFamily="2" charset="-127"/>
+              </a:rPr>
+              <a:t>피드백</a:t>
+            </a:r>
+            <a:r>
+              <a:rPr lang="en-US" altLang="ko-KR" sz="1600" dirty="0" smtClean="0">
+                <a:latin typeface="다음_Regular" panose="02000603060000000000" pitchFamily="2" charset="-127"/>
+                <a:ea typeface="다음_Regular" panose="02000603060000000000" pitchFamily="2" charset="-127"/>
+              </a:rPr>
+              <a:t>, </a:t>
+            </a:r>
+            <a:r>
+              <a:rPr lang="ko-KR" altLang="en-US" sz="1600" dirty="0" smtClean="0">
+                <a:latin typeface="다음_Regular" panose="02000603060000000000" pitchFamily="2" charset="-127"/>
+                <a:ea typeface="다음_Regular" panose="02000603060000000000" pitchFamily="2" charset="-127"/>
+              </a:rPr>
+              <a:t>인터뷰 화면</a:t>
+            </a:r>
+            <a:endParaRPr lang="en-US" altLang="ko-KR" sz="1600" dirty="0" smtClean="0">
+              <a:latin typeface="다음_Regular" panose="02000603060000000000" pitchFamily="2" charset="-127"/>
+              <a:ea typeface="다음_Regular" panose="02000603060000000000" pitchFamily="2" charset="-127"/>
+            </a:endParaRPr>
+          </a:p>
+          <a:p>
+            <a:endParaRPr lang="en-US" altLang="ko-KR" sz="1600" dirty="0">
+              <a:latin typeface="다음_Regular" panose="02000603060000000000" pitchFamily="2" charset="-127"/>
+              <a:ea typeface="다음_Regular" panose="02000603060000000000" pitchFamily="2" charset="-127"/>
+            </a:endParaRPr>
+          </a:p>
+          <a:p>
+            <a:r>
+              <a:rPr lang="ko-KR" altLang="en-US" dirty="0" smtClean="0">
+                <a:latin typeface="다음_Regular" panose="02000603060000000000" pitchFamily="2" charset="-127"/>
+                <a:ea typeface="다음_Regular" panose="02000603060000000000" pitchFamily="2" charset="-127"/>
+              </a:rPr>
+              <a:t>보상 획득 방법 소개</a:t>
+            </a:r>
+            <a:endParaRPr lang="en-US" altLang="ko-KR" dirty="0" smtClean="0">
+              <a:latin typeface="다음_Regular" panose="02000603060000000000" pitchFamily="2" charset="-127"/>
+              <a:ea typeface="다음_Regular" panose="02000603060000000000" pitchFamily="2" charset="-127"/>
+            </a:endParaRPr>
+          </a:p>
+          <a:p>
+            <a:endParaRPr lang="en-US" altLang="ko-KR" dirty="0">
+              <a:latin typeface="다음_Regular" panose="02000603060000000000" pitchFamily="2" charset="-127"/>
+              <a:ea typeface="다음_Regular" panose="02000603060000000000" pitchFamily="2" charset="-127"/>
+            </a:endParaRPr>
+          </a:p>
+          <a:p>
+            <a:r>
+              <a:rPr lang="ko-KR" altLang="en-US" dirty="0" smtClean="0">
+                <a:latin typeface="다음_Regular" panose="02000603060000000000" pitchFamily="2" charset="-127"/>
+                <a:ea typeface="다음_Regular" panose="02000603060000000000" pitchFamily="2" charset="-127"/>
+              </a:rPr>
+              <a:t>근데 이게 자연스럽게</a:t>
+            </a:r>
+            <a:endParaRPr lang="en-US" altLang="ko-KR" dirty="0" smtClean="0">
+              <a:latin typeface="다음_Regular" panose="02000603060000000000" pitchFamily="2" charset="-127"/>
+              <a:ea typeface="다음_Regular" panose="02000603060000000000" pitchFamily="2" charset="-127"/>
+            </a:endParaRPr>
+          </a:p>
+          <a:p>
+            <a:r>
+              <a:rPr lang="ko-KR" altLang="en-US" dirty="0" smtClean="0">
+                <a:latin typeface="다음_Regular" panose="02000603060000000000" pitchFamily="2" charset="-127"/>
+                <a:ea typeface="다음_Regular" panose="02000603060000000000" pitchFamily="2" charset="-127"/>
+              </a:rPr>
+              <a:t>배치를 </a:t>
+            </a:r>
+            <a:r>
+              <a:rPr lang="ko-KR" altLang="en-US" dirty="0" smtClean="0">
+                <a:latin typeface="다음_Regular" panose="02000603060000000000" pitchFamily="2" charset="-127"/>
+                <a:ea typeface="다음_Regular" panose="02000603060000000000" pitchFamily="2" charset="-127"/>
+              </a:rPr>
+              <a:t>못 </a:t>
+            </a:r>
+            <a:r>
+              <a:rPr lang="ko-KR" altLang="en-US" dirty="0" err="1" smtClean="0">
+                <a:latin typeface="다음_Regular" panose="02000603060000000000" pitchFamily="2" charset="-127"/>
+                <a:ea typeface="다음_Regular" panose="02000603060000000000" pitchFamily="2" charset="-127"/>
+              </a:rPr>
+              <a:t>하겠엉</a:t>
+            </a:r>
+            <a:r>
+              <a:rPr lang="en-US" altLang="ko-KR" dirty="0" smtClean="0">
+                <a:latin typeface="다음_Regular" panose="02000603060000000000" pitchFamily="2" charset="-127"/>
+                <a:ea typeface="다음_Regular" panose="02000603060000000000" pitchFamily="2" charset="-127"/>
+              </a:rPr>
+              <a:t>…</a:t>
+            </a:r>
+            <a:endParaRPr lang="ko-KR" altLang="en-US" dirty="0">
+              <a:latin typeface="다음_Regular" panose="02000603060000000000" pitchFamily="2" charset="-127"/>
+              <a:ea typeface="다음_Regular" panose="02000603060000000000" pitchFamily="2" charset="-127"/>
+            </a:endParaRPr>
+          </a:p>
+        </p:txBody>
+      </p:sp>
+      <p:grpSp>
+        <p:nvGrpSpPr>
+          <p:cNvPr id="4" name="그룹 3"/>
+          <p:cNvGrpSpPr/>
+          <p:nvPr/>
+        </p:nvGrpSpPr>
+        <p:grpSpPr>
+          <a:xfrm>
+            <a:off x="2514945" y="1685752"/>
+            <a:ext cx="3298304" cy="4983170"/>
+            <a:chOff x="2429636" y="950200"/>
+            <a:chExt cx="3298304" cy="4983170"/>
+          </a:xfrm>
+        </p:grpSpPr>
+        <p:pic>
+          <p:nvPicPr>
+            <p:cNvPr id="3" name="그림 2"/>
+            <p:cNvPicPr>
+              <a:picLocks noChangeAspect="1"/>
+            </p:cNvPicPr>
+            <p:nvPr/>
+          </p:nvPicPr>
+          <p:blipFill rotWithShape="1">
+            <a:blip r:embed="rId3"/>
+            <a:srcRect t="4439"/>
+            <a:stretch/>
+          </p:blipFill>
+          <p:spPr>
+            <a:xfrm>
+              <a:off x="2787685" y="1777021"/>
+              <a:ext cx="2618711" cy="4156349"/>
+            </a:xfrm>
+            <a:prstGeom prst="rect">
+              <a:avLst/>
+            </a:prstGeom>
+          </p:spPr>
+        </p:pic>
+        <p:grpSp>
+          <p:nvGrpSpPr>
+            <p:cNvPr id="15" name="그룹 14"/>
+            <p:cNvGrpSpPr>
+              <a:grpSpLocks noChangeAspect="1"/>
+            </p:cNvGrpSpPr>
+            <p:nvPr/>
+          </p:nvGrpSpPr>
+          <p:grpSpPr>
+            <a:xfrm>
+              <a:off x="2429636" y="950200"/>
+              <a:ext cx="3298304" cy="4903333"/>
+              <a:chOff x="2343370" y="1905881"/>
+              <a:chExt cx="2736835" cy="4501270"/>
+            </a:xfrm>
+          </p:grpSpPr>
+          <p:pic>
+            <p:nvPicPr>
+              <p:cNvPr id="16" name="그림 15"/>
+              <p:cNvPicPr>
+                <a:picLocks noChangeAspect="1"/>
+              </p:cNvPicPr>
+              <p:nvPr/>
+            </p:nvPicPr>
+            <p:blipFill>
+              <a:blip r:embed="rId4">
+                <a:grayscl/>
+                <a:extLst>
+                  <a:ext uri="{BEBA8EAE-BF5A-486C-A8C5-ECC9F3942E4B}">
+                    <a14:imgProps xmlns:a14="http://schemas.microsoft.com/office/drawing/2010/main">
+                      <a14:imgLayer r:embed="rId5">
+                        <a14:imgEffect>
+                          <a14:backgroundRemoval t="1742" b="100000" l="2865" r="100000"/>
+                        </a14:imgEffect>
+                      </a14:imgLayer>
+                    </a14:imgProps>
+                  </a:ext>
+                </a:extLst>
+              </a:blip>
+              <a:stretch>
+                <a:fillRect/>
+              </a:stretch>
+            </p:blipFill>
+            <p:spPr>
+              <a:xfrm>
+                <a:off x="2343370" y="1905881"/>
+                <a:ext cx="2736835" cy="4501270"/>
+              </a:xfrm>
+              <a:prstGeom prst="rect">
+                <a:avLst/>
+              </a:prstGeom>
+            </p:spPr>
+          </p:pic>
+          <p:sp>
+            <p:nvSpPr>
+              <p:cNvPr id="17" name="타원 16"/>
+              <p:cNvSpPr/>
+              <p:nvPr/>
+            </p:nvSpPr>
+            <p:spPr>
+              <a:xfrm>
+                <a:off x="3604260" y="2122170"/>
+                <a:ext cx="207311" cy="111120"/>
+              </a:xfrm>
+              <a:prstGeom prst="ellipse">
+                <a:avLst/>
+              </a:prstGeom>
+              <a:solidFill>
+                <a:srgbClr val="ECECEC"/>
+              </a:solidFill>
+              <a:ln>
+                <a:noFill/>
+              </a:ln>
+            </p:spPr>
+            <p:style>
+              <a:lnRef idx="2">
+                <a:schemeClr val="accent1">
+                  <a:shade val="50000"/>
+                </a:schemeClr>
+              </a:lnRef>
+              <a:fillRef idx="1">
+                <a:schemeClr val="accent1"/>
+              </a:fillRef>
+              <a:effectRef idx="0">
+                <a:schemeClr val="accent1"/>
+              </a:effectRef>
+              <a:fontRef idx="minor">
+                <a:schemeClr val="lt1"/>
+              </a:fontRef>
+            </p:style>
+            <p:txBody>
+              <a:bodyPr rtlCol="0" anchor="ctr"/>
+              <a:lstStyle/>
+              <a:p>
+                <a:pPr algn="ctr"/>
+                <a:endParaRPr lang="ko-KR" altLang="en-US"/>
+              </a:p>
+            </p:txBody>
+          </p:sp>
+          <p:sp>
+            <p:nvSpPr>
+              <p:cNvPr id="24" name="타원 23"/>
+              <p:cNvSpPr/>
+              <p:nvPr/>
+            </p:nvSpPr>
+            <p:spPr>
+              <a:xfrm>
+                <a:off x="3229854" y="2300994"/>
+                <a:ext cx="207311" cy="111120"/>
+              </a:xfrm>
+              <a:prstGeom prst="ellipse">
+                <a:avLst/>
+              </a:prstGeom>
+              <a:solidFill>
+                <a:srgbClr val="ECECEC"/>
+              </a:solidFill>
+              <a:ln>
+                <a:noFill/>
+              </a:ln>
+            </p:spPr>
+            <p:style>
+              <a:lnRef idx="2">
+                <a:schemeClr val="accent1">
+                  <a:shade val="50000"/>
+                </a:schemeClr>
+              </a:lnRef>
+              <a:fillRef idx="1">
+                <a:schemeClr val="accent1"/>
+              </a:fillRef>
+              <a:effectRef idx="0">
+                <a:schemeClr val="accent1"/>
+              </a:effectRef>
+              <a:fontRef idx="minor">
+                <a:schemeClr val="lt1"/>
+              </a:fontRef>
+            </p:style>
+            <p:txBody>
+              <a:bodyPr rtlCol="0" anchor="ctr"/>
+              <a:lstStyle/>
+              <a:p>
+                <a:pPr algn="ctr"/>
+                <a:endParaRPr lang="ko-KR" altLang="en-US"/>
+              </a:p>
+            </p:txBody>
+          </p:sp>
+        </p:grpSp>
+      </p:grpSp>
+      <p:grpSp>
+        <p:nvGrpSpPr>
+          <p:cNvPr id="12" name="그룹 11"/>
+          <p:cNvGrpSpPr/>
+          <p:nvPr/>
+        </p:nvGrpSpPr>
+        <p:grpSpPr>
+          <a:xfrm>
+            <a:off x="3507352" y="3308407"/>
+            <a:ext cx="3141736" cy="3523782"/>
+            <a:chOff x="3507352" y="2903822"/>
+            <a:chExt cx="3141736" cy="3523782"/>
+          </a:xfrm>
+        </p:grpSpPr>
+        <p:pic>
+          <p:nvPicPr>
+            <p:cNvPr id="5" name="그림 4"/>
+            <p:cNvPicPr>
+              <a:picLocks noChangeAspect="1"/>
+            </p:cNvPicPr>
+            <p:nvPr/>
+          </p:nvPicPr>
+          <p:blipFill rotWithShape="1">
+            <a:blip r:embed="rId6"/>
+            <a:srcRect t="14490" b="26105"/>
+            <a:stretch/>
+          </p:blipFill>
+          <p:spPr>
+            <a:xfrm>
+              <a:off x="3791039" y="3670401"/>
+              <a:ext cx="2609469" cy="2574604"/>
+            </a:xfrm>
+            <a:prstGeom prst="rect">
+              <a:avLst/>
+            </a:prstGeom>
+          </p:spPr>
+        </p:pic>
+        <p:grpSp>
+          <p:nvGrpSpPr>
+            <p:cNvPr id="2" name="그룹 1"/>
+            <p:cNvGrpSpPr/>
+            <p:nvPr/>
+          </p:nvGrpSpPr>
+          <p:grpSpPr>
+            <a:xfrm>
+              <a:off x="3507352" y="2903822"/>
+              <a:ext cx="3141736" cy="3523782"/>
+              <a:chOff x="3567147" y="3835070"/>
+              <a:chExt cx="3141736" cy="3523782"/>
+            </a:xfrm>
+          </p:grpSpPr>
+          <p:pic>
+            <p:nvPicPr>
+              <p:cNvPr id="26" name="그림 25"/>
+              <p:cNvPicPr>
+                <a:picLocks noChangeAspect="1"/>
+              </p:cNvPicPr>
+              <p:nvPr/>
+            </p:nvPicPr>
+            <p:blipFill rotWithShape="1">
+              <a:blip r:embed="rId4">
+                <a:grayscl/>
+                <a:extLst>
+                  <a:ext uri="{BEBA8EAE-BF5A-486C-A8C5-ECC9F3942E4B}">
+                    <a14:imgProps xmlns:a14="http://schemas.microsoft.com/office/drawing/2010/main">
+                      <a14:imgLayer r:embed="rId5">
+                        <a14:imgEffect>
+                          <a14:backgroundRemoval t="1742" b="100000" l="2865" r="100000"/>
+                        </a14:imgEffect>
+                      </a14:imgLayer>
+                    </a14:imgProps>
+                  </a:ext>
+                </a:extLst>
+              </a:blip>
+              <a:srcRect b="24553"/>
+              <a:stretch/>
+            </p:blipFill>
+            <p:spPr>
+              <a:xfrm>
+                <a:off x="3567147" y="3835070"/>
+                <a:ext cx="3141736" cy="3523782"/>
+              </a:xfrm>
+              <a:prstGeom prst="rect">
+                <a:avLst/>
+              </a:prstGeom>
+            </p:spPr>
+          </p:pic>
+          <p:sp>
+            <p:nvSpPr>
+              <p:cNvPr id="27" name="타원 26"/>
+              <p:cNvSpPr/>
+              <p:nvPr/>
+            </p:nvSpPr>
+            <p:spPr>
+              <a:xfrm>
+                <a:off x="5014579" y="4059494"/>
+                <a:ext cx="237982" cy="115300"/>
+              </a:xfrm>
+              <a:prstGeom prst="ellipse">
+                <a:avLst/>
+              </a:prstGeom>
+              <a:solidFill>
+                <a:srgbClr val="ECECEC"/>
+              </a:solidFill>
+              <a:ln>
+                <a:noFill/>
+              </a:ln>
+            </p:spPr>
+            <p:style>
+              <a:lnRef idx="2">
+                <a:schemeClr val="accent1">
+                  <a:shade val="50000"/>
+                </a:schemeClr>
+              </a:lnRef>
+              <a:fillRef idx="1">
+                <a:schemeClr val="accent1"/>
+              </a:fillRef>
+              <a:effectRef idx="0">
+                <a:schemeClr val="accent1"/>
+              </a:effectRef>
+              <a:fontRef idx="minor">
+                <a:schemeClr val="lt1"/>
+              </a:fontRef>
+            </p:style>
+            <p:txBody>
+              <a:bodyPr rtlCol="0" anchor="ctr"/>
+              <a:lstStyle/>
+              <a:p>
+                <a:pPr algn="ctr"/>
+                <a:endParaRPr lang="ko-KR" altLang="en-US"/>
+              </a:p>
+            </p:txBody>
+          </p:sp>
+          <p:sp>
+            <p:nvSpPr>
+              <p:cNvPr id="28" name="타원 27"/>
+              <p:cNvSpPr/>
+              <p:nvPr/>
+            </p:nvSpPr>
+            <p:spPr>
+              <a:xfrm>
+                <a:off x="4584782" y="4245044"/>
+                <a:ext cx="237982" cy="115300"/>
+              </a:xfrm>
+              <a:prstGeom prst="ellipse">
+                <a:avLst/>
+              </a:prstGeom>
+              <a:solidFill>
+                <a:srgbClr val="ECECEC"/>
+              </a:solidFill>
+              <a:ln>
+                <a:noFill/>
+              </a:ln>
+            </p:spPr>
+            <p:style>
+              <a:lnRef idx="2">
+                <a:schemeClr val="accent1">
+                  <a:shade val="50000"/>
+                </a:schemeClr>
+              </a:lnRef>
+              <a:fillRef idx="1">
+                <a:schemeClr val="accent1"/>
+              </a:fillRef>
+              <a:effectRef idx="0">
+                <a:schemeClr val="accent1"/>
+              </a:effectRef>
+              <a:fontRef idx="minor">
+                <a:schemeClr val="lt1"/>
+              </a:fontRef>
+            </p:style>
+            <p:txBody>
+              <a:bodyPr rtlCol="0" anchor="ctr"/>
+              <a:lstStyle/>
+              <a:p>
+                <a:pPr algn="ctr"/>
+                <a:endParaRPr lang="ko-KR" altLang="en-US"/>
+              </a:p>
+            </p:txBody>
+          </p:sp>
+        </p:grpSp>
+      </p:grpSp>
+    </p:spTree>
+    <p:extLst>
+      <p:ext uri="{BB962C8B-B14F-4D97-AF65-F5344CB8AC3E}">
+        <p14:creationId xmlns:p14="http://schemas.microsoft.com/office/powerpoint/2010/main" val="1032777561"/>
+      </p:ext>
+    </p:extLst>
+  </p:cSld>
+  <p:clrMapOvr>
+    <a:masterClrMapping/>
+  </p:clrMapOvr>
+</p:sld>
+</file>
+
+<file path=ppt/slides/slide9.xml><?xml version="1.0" encoding="utf-8"?>
+<p:sld xmlns:a="http://schemas.openxmlformats.org/drawingml/2006/main" xmlns:r="http://schemas.openxmlformats.org/officeDocument/2006/relationships" xmlns:p="http://schemas.openxmlformats.org/presentationml/2006/main">
+  <p:cSld>
+    <p:spTree>
+      <p:nvGrpSpPr>
+        <p:cNvPr id="1" name=""/>
+        <p:cNvGrpSpPr/>
+        <p:nvPr/>
+      </p:nvGrpSpPr>
+      <p:grpSpPr>
+        <a:xfrm>
+          <a:off x="0" y="0"/>
+          <a:ext cx="0" cy="0"/>
+          <a:chOff x="0" y="0"/>
+          <a:chExt cx="0" cy="0"/>
+        </a:xfrm>
+      </p:grpSpPr>
+      <p:grpSp>
+        <p:nvGrpSpPr>
+          <p:cNvPr id="8" name="그룹 7"/>
+          <p:cNvGrpSpPr/>
+          <p:nvPr/>
+        </p:nvGrpSpPr>
+        <p:grpSpPr>
+          <a:xfrm>
+            <a:off x="2520000" y="0"/>
+            <a:ext cx="4134143" cy="6858002"/>
+            <a:chOff x="1647244" y="0"/>
+            <a:chExt cx="4134143" cy="6858002"/>
+          </a:xfrm>
+        </p:grpSpPr>
+        <p:pic>
+          <p:nvPicPr>
+            <p:cNvPr id="6" name="그림 5"/>
+            <p:cNvPicPr>
+              <a:picLocks noChangeAspect="1"/>
+            </p:cNvPicPr>
+            <p:nvPr/>
+          </p:nvPicPr>
+          <p:blipFill>
+            <a:blip r:embed="rId2"/>
+            <a:stretch>
+              <a:fillRect/>
+            </a:stretch>
+          </p:blipFill>
+          <p:spPr>
+            <a:xfrm>
+              <a:off x="1647244" y="0"/>
+              <a:ext cx="4129088" cy="6858002"/>
+            </a:xfrm>
+            <a:prstGeom prst="rect">
+              <a:avLst/>
+            </a:prstGeom>
+          </p:spPr>
+        </p:pic>
+        <p:sp>
+          <p:nvSpPr>
+            <p:cNvPr id="7" name="직사각형 6"/>
+            <p:cNvSpPr/>
+            <p:nvPr/>
+          </p:nvSpPr>
+          <p:spPr>
+            <a:xfrm>
+              <a:off x="1652299" y="280416"/>
+              <a:ext cx="4129088" cy="6047232"/>
+            </a:xfrm>
+            <a:prstGeom prst="rect">
+              <a:avLst/>
+            </a:prstGeom>
+            <a:solidFill>
+              <a:srgbClr val="F3F5F4"/>
+            </a:solidFill>
+            <a:ln>
+              <a:noFill/>
+            </a:ln>
+          </p:spPr>
+          <p:style>
+            <a:lnRef idx="2">
+              <a:schemeClr val="accent1">
+                <a:shade val="50000"/>
+              </a:schemeClr>
+            </a:lnRef>
+            <a:fillRef idx="1">
+              <a:schemeClr val="accent1"/>
+            </a:fillRef>
+            <a:effectRef idx="0">
+              <a:schemeClr val="accent1"/>
+            </a:effectRef>
+            <a:fontRef idx="minor">
+              <a:schemeClr val="lt1"/>
+            </a:fontRef>
+          </p:style>
+          <p:txBody>
+            <a:bodyPr rtlCol="0" anchor="ctr"/>
+            <a:lstStyle/>
+            <a:p>
+              <a:pPr algn="ctr"/>
+              <a:endParaRPr lang="ko-KR" altLang="en-US"/>
+            </a:p>
+          </p:txBody>
+        </p:sp>
+      </p:grpSp>
+      <p:sp>
+        <p:nvSpPr>
+          <p:cNvPr id="2" name="직사각형 1"/>
+          <p:cNvSpPr/>
+          <p:nvPr/>
+        </p:nvSpPr>
+        <p:spPr>
+          <a:xfrm>
+            <a:off x="2520000" y="6327648"/>
+            <a:ext cx="4129088" cy="530354"/>
+          </a:xfrm>
+          <a:prstGeom prst="rect">
+            <a:avLst/>
+          </a:prstGeom>
+          <a:solidFill>
+            <a:srgbClr val="FCBB01"/>
+          </a:solidFill>
+          <a:ln>
+            <a:noFill/>
+          </a:ln>
+        </p:spPr>
+        <p:style>
+          <a:lnRef idx="2">
+            <a:schemeClr val="accent1">
+              <a:shade val="50000"/>
+            </a:schemeClr>
+          </a:lnRef>
+          <a:fillRef idx="1">
+            <a:schemeClr val="accent1"/>
+          </a:fillRef>
+          <a:effectRef idx="0">
+            <a:schemeClr val="accent1"/>
+          </a:effectRef>
+          <a:fontRef idx="minor">
+            <a:schemeClr val="lt1"/>
+          </a:fontRef>
+        </p:style>
+        <p:txBody>
+          <a:bodyPr rtlCol="0" anchor="ctr"/>
+          <a:lstStyle/>
+          <a:p>
+            <a:pPr algn="ctr"/>
+            <a:r>
+              <a:rPr lang="ko-KR" altLang="en-US" dirty="0" smtClean="0">
+                <a:solidFill>
+                  <a:schemeClr val="tx1"/>
+                </a:solidFill>
+                <a:latin typeface="다음_Regular" panose="02000603060000000000" pitchFamily="2" charset="-127"/>
+                <a:ea typeface="다음_Regular" panose="02000603060000000000" pitchFamily="2" charset="-127"/>
+              </a:rPr>
+              <a:t>시작하기</a:t>
+            </a:r>
+            <a:endParaRPr lang="ko-KR" altLang="en-US" dirty="0">
+              <a:solidFill>
+                <a:schemeClr val="tx1"/>
+              </a:solidFill>
+              <a:latin typeface="다음_Regular" panose="02000603060000000000" pitchFamily="2" charset="-127"/>
+              <a:ea typeface="다음_Regular" panose="02000603060000000000" pitchFamily="2" charset="-127"/>
+            </a:endParaRPr>
+          </a:p>
+        </p:txBody>
+      </p:sp>
+      <p:grpSp>
+        <p:nvGrpSpPr>
+          <p:cNvPr id="20" name="그룹 19"/>
+          <p:cNvGrpSpPr/>
+          <p:nvPr/>
+        </p:nvGrpSpPr>
+        <p:grpSpPr>
+          <a:xfrm>
+            <a:off x="4375453" y="473149"/>
+            <a:ext cx="433346" cy="55321"/>
+            <a:chOff x="3310890" y="761999"/>
+            <a:chExt cx="358137" cy="45720"/>
+          </a:xfrm>
+        </p:grpSpPr>
+        <p:sp>
+          <p:nvSpPr>
+            <p:cNvPr id="21" name="타원 20"/>
+            <p:cNvSpPr/>
+            <p:nvPr/>
+          </p:nvSpPr>
+          <p:spPr>
+            <a:xfrm>
+              <a:off x="3310890" y="762000"/>
+              <a:ext cx="45719" cy="45719"/>
+            </a:xfrm>
+            <a:prstGeom prst="ellipse">
+              <a:avLst/>
+            </a:prstGeom>
+            <a:solidFill>
+              <a:srgbClr val="AFABAB"/>
+            </a:solidFill>
+            <a:ln>
+              <a:noFill/>
+            </a:ln>
+          </p:spPr>
+          <p:style>
+            <a:lnRef idx="2">
+              <a:schemeClr val="accent1">
+                <a:shade val="50000"/>
+              </a:schemeClr>
+            </a:lnRef>
+            <a:fillRef idx="1">
+              <a:schemeClr val="accent1"/>
+            </a:fillRef>
+            <a:effectRef idx="0">
+              <a:schemeClr val="accent1"/>
+            </a:effectRef>
+            <a:fontRef idx="minor">
+              <a:schemeClr val="lt1"/>
+            </a:fontRef>
+          </p:style>
+          <p:txBody>
+            <a:bodyPr rtlCol="0" anchor="ctr"/>
+            <a:lstStyle/>
+            <a:p>
+              <a:pPr algn="ctr"/>
+              <a:endParaRPr lang="ko-KR" altLang="en-US"/>
+            </a:p>
+          </p:txBody>
+        </p:sp>
+        <p:sp>
+          <p:nvSpPr>
+            <p:cNvPr id="22" name="타원 21"/>
+            <p:cNvSpPr/>
+            <p:nvPr/>
+          </p:nvSpPr>
+          <p:spPr>
+            <a:xfrm>
+              <a:off x="3417570" y="762000"/>
+              <a:ext cx="45719" cy="45719"/>
+            </a:xfrm>
+            <a:prstGeom prst="ellipse">
+              <a:avLst/>
+            </a:prstGeom>
+            <a:solidFill>
+              <a:schemeClr val="bg2">
+                <a:lumMod val="75000"/>
+              </a:schemeClr>
+            </a:solidFill>
+            <a:ln>
+              <a:noFill/>
+            </a:ln>
+          </p:spPr>
+          <p:style>
+            <a:lnRef idx="2">
+              <a:schemeClr val="accent1">
+                <a:shade val="50000"/>
+              </a:schemeClr>
+            </a:lnRef>
+            <a:fillRef idx="1">
+              <a:schemeClr val="accent1"/>
+            </a:fillRef>
+            <a:effectRef idx="0">
+              <a:schemeClr val="accent1"/>
+            </a:effectRef>
+            <a:fontRef idx="minor">
+              <a:schemeClr val="lt1"/>
+            </a:fontRef>
+          </p:style>
+          <p:txBody>
+            <a:bodyPr rtlCol="0" anchor="ctr"/>
+            <a:lstStyle/>
+            <a:p>
+              <a:pPr algn="ctr"/>
+              <a:endParaRPr lang="ko-KR" altLang="en-US"/>
+            </a:p>
+          </p:txBody>
+        </p:sp>
+        <p:sp>
+          <p:nvSpPr>
+            <p:cNvPr id="23" name="타원 22"/>
+            <p:cNvSpPr/>
+            <p:nvPr/>
+          </p:nvSpPr>
+          <p:spPr>
+            <a:xfrm>
+              <a:off x="3520439" y="762000"/>
+              <a:ext cx="45719" cy="45719"/>
+            </a:xfrm>
+            <a:prstGeom prst="ellipse">
+              <a:avLst/>
+            </a:prstGeom>
+            <a:solidFill>
+              <a:schemeClr val="bg2">
+                <a:lumMod val="75000"/>
+              </a:schemeClr>
+            </a:solidFill>
+            <a:ln>
+              <a:noFill/>
+            </a:ln>
+          </p:spPr>
+          <p:style>
+            <a:lnRef idx="2">
+              <a:schemeClr val="accent1">
+                <a:shade val="50000"/>
+              </a:schemeClr>
+            </a:lnRef>
+            <a:fillRef idx="1">
+              <a:schemeClr val="accent1"/>
+            </a:fillRef>
+            <a:effectRef idx="0">
+              <a:schemeClr val="accent1"/>
+            </a:effectRef>
+            <a:fontRef idx="minor">
+              <a:schemeClr val="lt1"/>
+            </a:fontRef>
+          </p:style>
+          <p:txBody>
+            <a:bodyPr rtlCol="0" anchor="ctr"/>
+            <a:lstStyle/>
+            <a:p>
+              <a:pPr algn="ctr"/>
+              <a:endParaRPr lang="ko-KR" altLang="en-US"/>
+            </a:p>
+          </p:txBody>
+        </p:sp>
+        <p:sp>
+          <p:nvSpPr>
+            <p:cNvPr id="24" name="타원 23"/>
+            <p:cNvSpPr/>
+            <p:nvPr/>
+          </p:nvSpPr>
+          <p:spPr>
+            <a:xfrm>
+              <a:off x="3623308" y="761999"/>
+              <a:ext cx="45719" cy="45719"/>
+            </a:xfrm>
+            <a:prstGeom prst="ellipse">
+              <a:avLst/>
+            </a:prstGeom>
+            <a:solidFill>
+              <a:srgbClr val="FCBB01"/>
+            </a:solidFill>
+            <a:ln>
+              <a:noFill/>
+            </a:ln>
+          </p:spPr>
+          <p:style>
+            <a:lnRef idx="2">
+              <a:schemeClr val="accent1">
+                <a:shade val="50000"/>
+              </a:schemeClr>
+            </a:lnRef>
+            <a:fillRef idx="1">
+              <a:schemeClr val="accent1"/>
+            </a:fillRef>
+            <a:effectRef idx="0">
+              <a:schemeClr val="accent1"/>
+            </a:effectRef>
+            <a:fontRef idx="minor">
+              <a:schemeClr val="lt1"/>
+            </a:fontRef>
+          </p:style>
+          <p:txBody>
+            <a:bodyPr rtlCol="0" anchor="ctr"/>
+            <a:lstStyle/>
+            <a:p>
+              <a:pPr algn="ctr"/>
+              <a:endParaRPr lang="ko-KR" altLang="en-US"/>
+            </a:p>
+          </p:txBody>
+        </p:sp>
+      </p:grpSp>
+      <p:sp>
+        <p:nvSpPr>
+          <p:cNvPr id="12" name="TextBox 11"/>
+          <p:cNvSpPr txBox="1"/>
+          <p:nvPr/>
+        </p:nvSpPr>
+        <p:spPr>
+          <a:xfrm>
+            <a:off x="2525055" y="736331"/>
+            <a:ext cx="4134143" cy="584775"/>
+          </a:xfrm>
+          <a:prstGeom prst="rect">
+            <a:avLst/>
+          </a:prstGeom>
+          <a:noFill/>
+        </p:spPr>
+        <p:txBody>
+          <a:bodyPr wrap="square" rtlCol="0">
+            <a:spAutoFit/>
+          </a:bodyPr>
+          <a:lstStyle/>
+          <a:p>
+            <a:pPr algn="ctr"/>
+            <a:r>
+              <a:rPr lang="ko-KR" altLang="en-US" sz="1600" dirty="0" smtClean="0">
+                <a:latin typeface="다음_Regular" panose="02000603060000000000" pitchFamily="2" charset="-127"/>
+                <a:ea typeface="다음_Regular" panose="02000603060000000000" pitchFamily="2" charset="-127"/>
+              </a:rPr>
+              <a:t> </a:t>
+            </a:r>
+            <a:r>
+              <a:rPr lang="en-US" altLang="ko-KR" sz="1600" dirty="0" smtClean="0">
+                <a:latin typeface="다음_Regular" panose="02000603060000000000" pitchFamily="2" charset="-127"/>
+                <a:ea typeface="다음_Regular" panose="02000603060000000000" pitchFamily="2" charset="-127"/>
+              </a:rPr>
+              <a:t>FEED100</a:t>
+            </a:r>
+          </a:p>
+          <a:p>
+            <a:pPr algn="ctr"/>
+            <a:r>
+              <a:rPr lang="ko-KR" altLang="en-US" sz="1600" dirty="0" smtClean="0">
+                <a:latin typeface="다음_Regular" panose="02000603060000000000" pitchFamily="2" charset="-127"/>
+                <a:ea typeface="다음_Regular" panose="02000603060000000000" pitchFamily="2" charset="-127"/>
+              </a:rPr>
+              <a:t>지금 사용해 보세요</a:t>
+            </a:r>
+            <a:r>
+              <a:rPr lang="en-US" altLang="ko-KR" sz="1600" dirty="0" smtClean="0">
+                <a:latin typeface="다음_Regular" panose="02000603060000000000" pitchFamily="2" charset="-127"/>
+                <a:ea typeface="다음_Regular" panose="02000603060000000000" pitchFamily="2" charset="-127"/>
+              </a:rPr>
+              <a:t>!</a:t>
+            </a:r>
+            <a:endParaRPr lang="ko-KR" altLang="en-US" sz="1600" dirty="0">
+              <a:latin typeface="다음_Regular" panose="02000603060000000000" pitchFamily="2" charset="-127"/>
+              <a:ea typeface="다음_Regular" panose="02000603060000000000" pitchFamily="2" charset="-127"/>
+            </a:endParaRPr>
+          </a:p>
+        </p:txBody>
+      </p:sp>
+      <p:sp>
+        <p:nvSpPr>
+          <p:cNvPr id="13" name="TextBox 12"/>
+          <p:cNvSpPr txBox="1"/>
+          <p:nvPr/>
+        </p:nvSpPr>
+        <p:spPr>
+          <a:xfrm>
+            <a:off x="2520000" y="1321106"/>
+            <a:ext cx="4129088" cy="261610"/>
+          </a:xfrm>
+          <a:prstGeom prst="rect">
+            <a:avLst/>
+          </a:prstGeom>
+          <a:noFill/>
+        </p:spPr>
+        <p:txBody>
+          <a:bodyPr wrap="square" rtlCol="0">
+            <a:spAutoFit/>
+          </a:bodyPr>
+          <a:lstStyle/>
+          <a:p>
+            <a:pPr algn="ctr"/>
+            <a:r>
+              <a:rPr lang="ko-KR" altLang="en-US" sz="1100" dirty="0" smtClean="0">
+                <a:solidFill>
+                  <a:schemeClr val="tx1">
+                    <a:lumMod val="65000"/>
+                    <a:lumOff val="35000"/>
+                  </a:schemeClr>
+                </a:solidFill>
+                <a:latin typeface="다음_Regular" panose="02000603060000000000" pitchFamily="2" charset="-127"/>
+                <a:ea typeface="다음_Regular" panose="02000603060000000000" pitchFamily="2" charset="-127"/>
+              </a:rPr>
+              <a:t>새로운 서비스들을 체험해 보세요</a:t>
+            </a:r>
+            <a:r>
+              <a:rPr lang="en-US" altLang="ko-KR" sz="1100" dirty="0" smtClean="0">
+                <a:solidFill>
+                  <a:schemeClr val="tx1">
+                    <a:lumMod val="65000"/>
+                    <a:lumOff val="35000"/>
+                  </a:schemeClr>
+                </a:solidFill>
+                <a:latin typeface="다음_Regular" panose="02000603060000000000" pitchFamily="2" charset="-127"/>
+                <a:ea typeface="다음_Regular" panose="02000603060000000000" pitchFamily="2" charset="-127"/>
+              </a:rPr>
+              <a:t>!</a:t>
+            </a:r>
+            <a:endParaRPr lang="ko-KR" altLang="en-US" sz="1100" dirty="0">
+              <a:solidFill>
+                <a:schemeClr val="tx1">
+                  <a:lumMod val="65000"/>
+                  <a:lumOff val="35000"/>
+                </a:schemeClr>
+              </a:solidFill>
+              <a:latin typeface="다음_Regular" panose="02000603060000000000" pitchFamily="2" charset="-127"/>
+              <a:ea typeface="다음_Regular" panose="02000603060000000000" pitchFamily="2" charset="-127"/>
+            </a:endParaRPr>
+          </a:p>
+        </p:txBody>
+      </p:sp>
+      <p:grpSp>
+        <p:nvGrpSpPr>
+          <p:cNvPr id="3" name="그룹 2"/>
+          <p:cNvGrpSpPr>
+            <a:grpSpLocks noChangeAspect="1"/>
+          </p:cNvGrpSpPr>
+          <p:nvPr/>
+        </p:nvGrpSpPr>
+        <p:grpSpPr>
+          <a:xfrm>
+            <a:off x="3169481" y="1905881"/>
+            <a:ext cx="2974371" cy="4421767"/>
+            <a:chOff x="2924722" y="1905881"/>
+            <a:chExt cx="3334808" cy="4957601"/>
+          </a:xfrm>
+        </p:grpSpPr>
+        <p:grpSp>
+          <p:nvGrpSpPr>
+            <p:cNvPr id="14" name="그룹 13"/>
+            <p:cNvGrpSpPr/>
+            <p:nvPr/>
+          </p:nvGrpSpPr>
+          <p:grpSpPr>
+            <a:xfrm>
+              <a:off x="2924722" y="1905881"/>
+              <a:ext cx="3334808" cy="4957601"/>
+              <a:chOff x="2343370" y="1905881"/>
+              <a:chExt cx="2736835" cy="4501270"/>
+            </a:xfrm>
+          </p:grpSpPr>
+          <p:pic>
+            <p:nvPicPr>
+              <p:cNvPr id="15" name="그림 14"/>
+              <p:cNvPicPr>
+                <a:picLocks noChangeAspect="1"/>
+              </p:cNvPicPr>
+              <p:nvPr/>
+            </p:nvPicPr>
+            <p:blipFill>
+              <a:blip r:embed="rId3">
+                <a:grayscl/>
+                <a:extLst>
+                  <a:ext uri="{BEBA8EAE-BF5A-486C-A8C5-ECC9F3942E4B}">
+                    <a14:imgProps xmlns:a14="http://schemas.microsoft.com/office/drawing/2010/main">
+                      <a14:imgLayer r:embed="rId4">
+                        <a14:imgEffect>
+                          <a14:backgroundRemoval t="1742" b="100000" l="2865" r="100000"/>
+                        </a14:imgEffect>
+                      </a14:imgLayer>
+                    </a14:imgProps>
+                  </a:ext>
+                </a:extLst>
+              </a:blip>
+              <a:stretch>
+                <a:fillRect/>
+              </a:stretch>
+            </p:blipFill>
+            <p:spPr>
+              <a:xfrm>
+                <a:off x="2343370" y="1905881"/>
+                <a:ext cx="2736835" cy="4501270"/>
+              </a:xfrm>
+              <a:prstGeom prst="rect">
+                <a:avLst/>
+              </a:prstGeom>
+            </p:spPr>
+          </p:pic>
+          <p:sp>
+            <p:nvSpPr>
+              <p:cNvPr id="16" name="타원 15"/>
+              <p:cNvSpPr/>
+              <p:nvPr/>
+            </p:nvSpPr>
+            <p:spPr>
+              <a:xfrm>
+                <a:off x="3604260" y="2122170"/>
+                <a:ext cx="207311" cy="111120"/>
+              </a:xfrm>
+              <a:prstGeom prst="ellipse">
+                <a:avLst/>
+              </a:prstGeom>
+              <a:solidFill>
+                <a:srgbClr val="ECECEC"/>
+              </a:solidFill>
+              <a:ln>
+                <a:noFill/>
+              </a:ln>
+            </p:spPr>
+            <p:style>
+              <a:lnRef idx="2">
+                <a:schemeClr val="accent1">
+                  <a:shade val="50000"/>
+                </a:schemeClr>
+              </a:lnRef>
+              <a:fillRef idx="1">
+                <a:schemeClr val="accent1"/>
+              </a:fillRef>
+              <a:effectRef idx="0">
+                <a:schemeClr val="accent1"/>
+              </a:effectRef>
+              <a:fontRef idx="minor">
+                <a:schemeClr val="lt1"/>
+              </a:fontRef>
+            </p:style>
+            <p:txBody>
+              <a:bodyPr rtlCol="0" anchor="ctr"/>
+              <a:lstStyle/>
+              <a:p>
+                <a:pPr algn="ctr"/>
+                <a:endParaRPr lang="ko-KR" altLang="en-US"/>
+              </a:p>
+            </p:txBody>
+          </p:sp>
+          <p:sp>
+            <p:nvSpPr>
+              <p:cNvPr id="17" name="타원 16"/>
+              <p:cNvSpPr/>
+              <p:nvPr/>
+            </p:nvSpPr>
+            <p:spPr>
+              <a:xfrm>
+                <a:off x="3229854" y="2300994"/>
+                <a:ext cx="207311" cy="111120"/>
+              </a:xfrm>
+              <a:prstGeom prst="ellipse">
+                <a:avLst/>
+              </a:prstGeom>
+              <a:solidFill>
+                <a:srgbClr val="ECECEC"/>
+              </a:solidFill>
+              <a:ln>
+                <a:noFill/>
+              </a:ln>
+            </p:spPr>
+            <p:style>
+              <a:lnRef idx="2">
+                <a:schemeClr val="accent1">
+                  <a:shade val="50000"/>
+                </a:schemeClr>
+              </a:lnRef>
+              <a:fillRef idx="1">
+                <a:schemeClr val="accent1"/>
+              </a:fillRef>
+              <a:effectRef idx="0">
+                <a:schemeClr val="accent1"/>
+              </a:effectRef>
+              <a:fontRef idx="minor">
+                <a:schemeClr val="lt1"/>
+              </a:fontRef>
+            </p:style>
+            <p:txBody>
+              <a:bodyPr rtlCol="0" anchor="ctr"/>
+              <a:lstStyle/>
+              <a:p>
+                <a:pPr algn="ctr"/>
+                <a:endParaRPr lang="ko-KR" altLang="en-US"/>
+              </a:p>
+            </p:txBody>
+          </p:sp>
+        </p:grpSp>
+        <p:sp>
+          <p:nvSpPr>
+            <p:cNvPr id="18" name="직사각형 17"/>
+            <p:cNvSpPr/>
+            <p:nvPr/>
+          </p:nvSpPr>
+          <p:spPr>
+            <a:xfrm>
+              <a:off x="3267544" y="2700068"/>
+              <a:ext cx="2649164" cy="4157932"/>
+            </a:xfrm>
+            <a:prstGeom prst="rect">
+              <a:avLst/>
+            </a:prstGeom>
+            <a:solidFill>
+              <a:schemeClr val="bg1"/>
+            </a:solidFill>
+            <a:ln>
+              <a:noFill/>
+            </a:ln>
+          </p:spPr>
+          <p:style>
+            <a:lnRef idx="2">
+              <a:schemeClr val="accent1">
+                <a:shade val="50000"/>
+              </a:schemeClr>
+            </a:lnRef>
+            <a:fillRef idx="1">
+              <a:schemeClr val="accent1"/>
+            </a:fillRef>
+            <a:effectRef idx="0">
+              <a:schemeClr val="accent1"/>
+            </a:effectRef>
+            <a:fontRef idx="minor">
+              <a:schemeClr val="lt1"/>
+            </a:fontRef>
+          </p:style>
+          <p:txBody>
+            <a:bodyPr rtlCol="0" anchor="ctr"/>
+            <a:lstStyle/>
+            <a:p>
+              <a:pPr algn="ctr"/>
+              <a:endParaRPr lang="ko-KR" altLang="en-US"/>
+            </a:p>
+          </p:txBody>
+        </p:sp>
+      </p:grpSp>
+      <p:pic>
+        <p:nvPicPr>
+          <p:cNvPr id="5" name="그림 4"/>
+          <p:cNvPicPr>
+            <a:picLocks noChangeAspect="1"/>
+          </p:cNvPicPr>
+          <p:nvPr/>
+        </p:nvPicPr>
+        <p:blipFill rotWithShape="1">
+          <a:blip r:embed="rId5"/>
+          <a:srcRect t="4436"/>
+          <a:stretch/>
+        </p:blipFill>
+        <p:spPr>
+          <a:xfrm>
+            <a:off x="3507393" y="2616744"/>
+            <a:ext cx="2330691" cy="3699353"/>
+          </a:xfrm>
+          <a:prstGeom prst="rect">
+            <a:avLst/>
+          </a:prstGeom>
+        </p:spPr>
+      </p:pic>
+    </p:spTree>
+    <p:extLst>
+      <p:ext uri="{BB962C8B-B14F-4D97-AF65-F5344CB8AC3E}">
+        <p14:creationId xmlns:p14="http://schemas.microsoft.com/office/powerpoint/2010/main" val="2980728072"/>
       </p:ext>
     </p:extLst>
   </p:cSld>
@@ -7056,7 +10480,24 @@
       </a:bgFillStyleLst>
     </a:fmtScheme>
   </a:themeElements>
-  <a:objectDefaults/>
+  <a:objectDefaults>
+    <a:txDef>
+      <a:spPr>
+        <a:noFill/>
+      </a:spPr>
+      <a:bodyPr wrap="square" rtlCol="0">
+        <a:spAutoFit/>
+      </a:bodyPr>
+      <a:lstStyle>
+        <a:defPPr>
+          <a:defRPr dirty="0">
+            <a:latin typeface="다음_Regular" panose="02000603060000000000" pitchFamily="2" charset="-127"/>
+            <a:ea typeface="다음_Regular" panose="02000603060000000000" pitchFamily="2" charset="-127"/>
+          </a:defRPr>
+        </a:defPPr>
+      </a:lstStyle>
+    </a:txDef>
+  </a:objectDefaults>
   <a:extraClrSchemeLst/>
   <a:extLst>
     <a:ext uri="{05A4C25C-085E-4340-85A3-A5531E510DB2}">
